--- a/docs/diagrams/ShowLocationSequenceDiagram.pptx
+++ b/docs/diagrams/ShowLocationSequenceDiagram.pptx
@@ -208,7 +208,7 @@
           <a:p>
             <a:fld id="{F5CC4B3F-88C1-4FFA-B1B6-F41C21DC6924}" type="datetimeFigureOut">
               <a:rPr lang="en-US" smtClean="0"/>
-              <a:t>3/20/18</a:t>
+              <a:t>3/27/18</a:t>
             </a:fld>
             <a:endParaRPr lang="en-US"/>
           </a:p>
@@ -475,6 +475,90 @@
 </p:notesMaster>
 </file>
 
+<file path=ppt/notesSlides/notesSlide1.xml><?xml version="1.0" encoding="utf-8"?>
+<p:notes xmlns:a="http://schemas.openxmlformats.org/drawingml/2006/main" xmlns:r="http://schemas.openxmlformats.org/officeDocument/2006/relationships" xmlns:p="http://schemas.openxmlformats.org/presentationml/2006/main">
+  <p:cSld>
+    <p:spTree>
+      <p:nvGrpSpPr>
+        <p:cNvPr id="1" name=""/>
+        <p:cNvGrpSpPr/>
+        <p:nvPr/>
+      </p:nvGrpSpPr>
+      <p:grpSpPr>
+        <a:xfrm>
+          <a:off x="0" y="0"/>
+          <a:ext cx="0" cy="0"/>
+          <a:chOff x="0" y="0"/>
+          <a:chExt cx="0" cy="0"/>
+        </a:xfrm>
+      </p:grpSpPr>
+      <p:sp>
+        <p:nvSpPr>
+          <p:cNvPr id="2" name="Slide Image Placeholder 1"/>
+          <p:cNvSpPr>
+            <a:spLocks noGrp="1" noRot="1" noChangeAspect="1"/>
+          </p:cNvSpPr>
+          <p:nvPr>
+            <p:ph type="sldImg"/>
+          </p:nvPr>
+        </p:nvSpPr>
+        <p:spPr/>
+      </p:sp>
+      <p:sp>
+        <p:nvSpPr>
+          <p:cNvPr id="3" name="Notes Placeholder 2"/>
+          <p:cNvSpPr>
+            <a:spLocks noGrp="1"/>
+          </p:cNvSpPr>
+          <p:nvPr>
+            <p:ph type="body" idx="1"/>
+          </p:nvPr>
+        </p:nvSpPr>
+        <p:spPr/>
+        <p:txBody>
+          <a:bodyPr/>
+          <a:lstStyle/>
+          <a:p>
+            <a:endParaRPr lang="en-US" dirty="0"/>
+          </a:p>
+        </p:txBody>
+      </p:sp>
+      <p:sp>
+        <p:nvSpPr>
+          <p:cNvPr id="4" name="Slide Number Placeholder 3"/>
+          <p:cNvSpPr>
+            <a:spLocks noGrp="1"/>
+          </p:cNvSpPr>
+          <p:nvPr>
+            <p:ph type="sldNum" sz="quarter" idx="10"/>
+          </p:nvPr>
+        </p:nvSpPr>
+        <p:spPr/>
+        <p:txBody>
+          <a:bodyPr/>
+          <a:lstStyle/>
+          <a:p>
+            <a:fld id="{5A7AB025-77E3-4BD1-A2FD-B3183DBA47A3}" type="slidenum">
+              <a:rPr lang="en-US" smtClean="0"/>
+              <a:t>1</a:t>
+            </a:fld>
+            <a:endParaRPr lang="en-US"/>
+          </a:p>
+        </p:txBody>
+      </p:sp>
+    </p:spTree>
+    <p:extLst>
+      <p:ext uri="{BB962C8B-B14F-4D97-AF65-F5344CB8AC3E}">
+        <p14:creationId xmlns:p14="http://schemas.microsoft.com/office/powerpoint/2010/main" val="2053256359"/>
+      </p:ext>
+    </p:extLst>
+  </p:cSld>
+  <p:clrMapOvr>
+    <a:masterClrMapping/>
+  </p:clrMapOvr>
+</p:notes>
+</file>
+
 <file path=ppt/slideLayouts/slideLayout1.xml><?xml version="1.0" encoding="utf-8"?>
 <p:sldLayout xmlns:a="http://schemas.openxmlformats.org/drawingml/2006/main" xmlns:r="http://schemas.openxmlformats.org/officeDocument/2006/relationships" xmlns:p="http://schemas.openxmlformats.org/presentationml/2006/main" type="title" preserve="1">
   <p:cSld name="Title Slide">
@@ -654,7 +738,7 @@
           <a:p>
             <a:fld id="{78C97017-6FC3-485B-9764-EAC9E56C1D49}" type="datetimeFigureOut">
               <a:rPr lang="en-US" smtClean="0"/>
-              <a:t>3/20/18</a:t>
+              <a:t>3/27/18</a:t>
             </a:fld>
             <a:endParaRPr lang="en-US"/>
           </a:p>
@@ -822,7 +906,7 @@
           <a:p>
             <a:fld id="{78C97017-6FC3-485B-9764-EAC9E56C1D49}" type="datetimeFigureOut">
               <a:rPr lang="en-US" smtClean="0"/>
-              <a:t>3/20/18</a:t>
+              <a:t>3/27/18</a:t>
             </a:fld>
             <a:endParaRPr lang="en-US"/>
           </a:p>
@@ -1000,7 +1084,7 @@
           <a:p>
             <a:fld id="{78C97017-6FC3-485B-9764-EAC9E56C1D49}" type="datetimeFigureOut">
               <a:rPr lang="en-US" smtClean="0"/>
-              <a:t>3/20/18</a:t>
+              <a:t>3/27/18</a:t>
             </a:fld>
             <a:endParaRPr lang="en-US"/>
           </a:p>
@@ -1168,7 +1252,7 @@
           <a:p>
             <a:fld id="{78C97017-6FC3-485B-9764-EAC9E56C1D49}" type="datetimeFigureOut">
               <a:rPr lang="en-US" smtClean="0"/>
-              <a:t>3/20/18</a:t>
+              <a:t>3/27/18</a:t>
             </a:fld>
             <a:endParaRPr lang="en-US"/>
           </a:p>
@@ -1413,7 +1497,7 @@
           <a:p>
             <a:fld id="{78C97017-6FC3-485B-9764-EAC9E56C1D49}" type="datetimeFigureOut">
               <a:rPr lang="en-US" smtClean="0"/>
-              <a:t>3/20/18</a:t>
+              <a:t>3/27/18</a:t>
             </a:fld>
             <a:endParaRPr lang="en-US"/>
           </a:p>
@@ -1698,7 +1782,7 @@
           <a:p>
             <a:fld id="{78C97017-6FC3-485B-9764-EAC9E56C1D49}" type="datetimeFigureOut">
               <a:rPr lang="en-US" smtClean="0"/>
-              <a:t>3/20/18</a:t>
+              <a:t>3/27/18</a:t>
             </a:fld>
             <a:endParaRPr lang="en-US"/>
           </a:p>
@@ -2117,7 +2201,7 @@
           <a:p>
             <a:fld id="{78C97017-6FC3-485B-9764-EAC9E56C1D49}" type="datetimeFigureOut">
               <a:rPr lang="en-US" smtClean="0"/>
-              <a:t>3/20/18</a:t>
+              <a:t>3/27/18</a:t>
             </a:fld>
             <a:endParaRPr lang="en-US"/>
           </a:p>
@@ -2234,7 +2318,7 @@
           <a:p>
             <a:fld id="{78C97017-6FC3-485B-9764-EAC9E56C1D49}" type="datetimeFigureOut">
               <a:rPr lang="en-US" smtClean="0"/>
-              <a:t>3/20/18</a:t>
+              <a:t>3/27/18</a:t>
             </a:fld>
             <a:endParaRPr lang="en-US"/>
           </a:p>
@@ -2329,7 +2413,7 @@
           <a:p>
             <a:fld id="{78C97017-6FC3-485B-9764-EAC9E56C1D49}" type="datetimeFigureOut">
               <a:rPr lang="en-US" smtClean="0"/>
-              <a:t>3/20/18</a:t>
+              <a:t>3/27/18</a:t>
             </a:fld>
             <a:endParaRPr lang="en-US"/>
           </a:p>
@@ -2604,7 +2688,7 @@
           <a:p>
             <a:fld id="{78C97017-6FC3-485B-9764-EAC9E56C1D49}" type="datetimeFigureOut">
               <a:rPr lang="en-US" smtClean="0"/>
-              <a:t>3/20/18</a:t>
+              <a:t>3/27/18</a:t>
             </a:fld>
             <a:endParaRPr lang="en-US"/>
           </a:p>
@@ -2856,7 +2940,7 @@
           <a:p>
             <a:fld id="{78C97017-6FC3-485B-9764-EAC9E56C1D49}" type="datetimeFigureOut">
               <a:rPr lang="en-US" smtClean="0"/>
-              <a:t>3/20/18</a:t>
+              <a:t>3/27/18</a:t>
             </a:fld>
             <a:endParaRPr lang="en-US"/>
           </a:p>
@@ -3067,7 +3151,7 @@
           <a:p>
             <a:fld id="{78C97017-6FC3-485B-9764-EAC9E56C1D49}" type="datetimeFigureOut">
               <a:rPr lang="en-US" smtClean="0"/>
-              <a:t>3/20/18</a:t>
+              <a:t>3/27/18</a:t>
             </a:fld>
             <a:endParaRPr lang="en-US"/>
           </a:p>
@@ -3450,8 +3534,8 @@
         </p:nvSpPr>
         <p:spPr>
           <a:xfrm>
-            <a:off x="685799" y="1981200"/>
-            <a:ext cx="8152309" cy="4572000"/>
+            <a:off x="533401" y="1981200"/>
+            <a:ext cx="8304708" cy="4572000"/>
           </a:xfrm>
           <a:prstGeom prst="roundRect">
             <a:avLst>
@@ -3511,7 +3595,7 @@
         </p:nvSpPr>
         <p:spPr>
           <a:xfrm>
-            <a:off x="845045" y="2296546"/>
+            <a:off x="711926" y="2324828"/>
             <a:ext cx="1455629" cy="346760"/>
           </a:xfrm>
           <a:prstGeom prst="rect">
@@ -3578,7 +3662,7 @@
         </p:nvCxnSpPr>
         <p:spPr>
           <a:xfrm>
-            <a:off x="1572859" y="2660217"/>
+            <a:off x="1295766" y="2688466"/>
             <a:ext cx="0" cy="2597583"/>
           </a:xfrm>
           <a:prstGeom prst="line">
@@ -3615,7 +3699,7 @@
         </p:nvSpPr>
         <p:spPr>
           <a:xfrm>
-            <a:off x="1500851" y="3010911"/>
+            <a:off x="1216437" y="3010911"/>
             <a:ext cx="156190" cy="3373158"/>
           </a:xfrm>
           <a:prstGeom prst="rect">
@@ -3981,7 +4065,7 @@
         </p:nvCxnSpPr>
         <p:spPr>
           <a:xfrm>
-            <a:off x="381000" y="3014599"/>
+            <a:off x="125873" y="3010911"/>
             <a:ext cx="1119851" cy="0"/>
           </a:xfrm>
           <a:prstGeom prst="straightConnector1">
@@ -4018,9 +4102,9 @@
           <p:nvPr/>
         </p:nvCxnSpPr>
         <p:spPr>
-          <a:xfrm>
-            <a:off x="1653251" y="3122099"/>
-            <a:ext cx="1346459" cy="16747"/>
+          <a:xfrm flipV="1">
+            <a:off x="1355751" y="3138846"/>
+            <a:ext cx="1643959" cy="3503"/>
           </a:xfrm>
           <a:prstGeom prst="straightConnector1">
             <a:avLst/>
@@ -4055,7 +4139,7 @@
         </p:nvSpPr>
         <p:spPr>
           <a:xfrm>
-            <a:off x="-443438" y="2771593"/>
+            <a:off x="-674262" y="2757413"/>
             <a:ext cx="2010593" cy="215444"/>
           </a:xfrm>
           <a:prstGeom prst="rect">
@@ -4225,9 +4309,9 @@
           <p:nvPr/>
         </p:nvCxnSpPr>
         <p:spPr>
-          <a:xfrm>
-            <a:off x="1670186" y="4248609"/>
-            <a:ext cx="1416446" cy="2947"/>
+          <a:xfrm flipV="1">
+            <a:off x="1375096" y="4251556"/>
+            <a:ext cx="1711536" cy="7750"/>
           </a:xfrm>
           <a:prstGeom prst="straightConnector1">
             <a:avLst/>
@@ -4264,7 +4348,7 @@
         </p:nvCxnSpPr>
         <p:spPr>
           <a:xfrm>
-            <a:off x="304800" y="6384069"/>
+            <a:off x="30623" y="6384069"/>
             <a:ext cx="1196051" cy="0"/>
           </a:xfrm>
           <a:prstGeom prst="straightConnector1">
@@ -4362,13 +4446,15 @@
       <p:cxnSp>
         <p:nvCxnSpPr>
           <p:cNvPr id="64" name="Straight Arrow Connector 63"/>
-          <p:cNvCxnSpPr/>
+          <p:cNvCxnSpPr>
+            <a:cxnSpLocks/>
+          </p:cNvCxnSpPr>
           <p:nvPr/>
         </p:nvCxnSpPr>
         <p:spPr>
-          <a:xfrm>
-            <a:off x="1653251" y="4495317"/>
-            <a:ext cx="5043123" cy="0"/>
+          <a:xfrm flipV="1">
+            <a:off x="1372627" y="4495317"/>
+            <a:ext cx="5323747" cy="19921"/>
           </a:xfrm>
           <a:prstGeom prst="straightConnector1">
             <a:avLst/>
@@ -4624,13 +4710,15 @@
       <p:cxnSp>
         <p:nvCxnSpPr>
           <p:cNvPr id="77" name="Straight Arrow Connector 76"/>
-          <p:cNvCxnSpPr/>
+          <p:cNvCxnSpPr>
+            <a:cxnSpLocks/>
+          </p:cNvCxnSpPr>
           <p:nvPr/>
         </p:nvCxnSpPr>
         <p:spPr>
           <a:xfrm>
-            <a:off x="1653251" y="6127552"/>
-            <a:ext cx="5052349" cy="0"/>
+            <a:off x="1372627" y="6127552"/>
+            <a:ext cx="5332973" cy="0"/>
           </a:xfrm>
           <a:prstGeom prst="straightConnector1">
             <a:avLst/>
@@ -4815,7 +4903,7 @@
         </p:nvSpPr>
         <p:spPr>
           <a:xfrm>
-            <a:off x="570983" y="6170105"/>
+            <a:off x="183546" y="5971157"/>
             <a:ext cx="762000" cy="215444"/>
           </a:xfrm>
           <a:prstGeom prst="rect">
@@ -5485,7 +5573,7 @@
         </p:nvSpPr>
         <p:spPr>
           <a:xfrm>
-            <a:off x="1150979" y="2766258"/>
+            <a:off x="1040342" y="2854074"/>
             <a:ext cx="2010593" cy="215444"/>
           </a:xfrm>
           <a:prstGeom prst="rect">

--- a/docs/diagrams/ShowLocationSequenceDiagram.pptx
+++ b/docs/diagrams/ShowLocationSequenceDiagram.pptx
@@ -208,7 +208,7 @@
           <a:p>
             <a:fld id="{F5CC4B3F-88C1-4FFA-B1B6-F41C21DC6924}" type="datetimeFigureOut">
               <a:rPr lang="en-US" smtClean="0"/>
-              <a:t>3/27/18</a:t>
+              <a:t>3/30/18</a:t>
             </a:fld>
             <a:endParaRPr lang="en-US"/>
           </a:p>
@@ -738,7 +738,7 @@
           <a:p>
             <a:fld id="{78C97017-6FC3-485B-9764-EAC9E56C1D49}" type="datetimeFigureOut">
               <a:rPr lang="en-US" smtClean="0"/>
-              <a:t>3/27/18</a:t>
+              <a:t>3/30/18</a:t>
             </a:fld>
             <a:endParaRPr lang="en-US"/>
           </a:p>
@@ -906,7 +906,7 @@
           <a:p>
             <a:fld id="{78C97017-6FC3-485B-9764-EAC9E56C1D49}" type="datetimeFigureOut">
               <a:rPr lang="en-US" smtClean="0"/>
-              <a:t>3/27/18</a:t>
+              <a:t>3/30/18</a:t>
             </a:fld>
             <a:endParaRPr lang="en-US"/>
           </a:p>
@@ -1084,7 +1084,7 @@
           <a:p>
             <a:fld id="{78C97017-6FC3-485B-9764-EAC9E56C1D49}" type="datetimeFigureOut">
               <a:rPr lang="en-US" smtClean="0"/>
-              <a:t>3/27/18</a:t>
+              <a:t>3/30/18</a:t>
             </a:fld>
             <a:endParaRPr lang="en-US"/>
           </a:p>
@@ -1252,7 +1252,7 @@
           <a:p>
             <a:fld id="{78C97017-6FC3-485B-9764-EAC9E56C1D49}" type="datetimeFigureOut">
               <a:rPr lang="en-US" smtClean="0"/>
-              <a:t>3/27/18</a:t>
+              <a:t>3/30/18</a:t>
             </a:fld>
             <a:endParaRPr lang="en-US"/>
           </a:p>
@@ -1497,7 +1497,7 @@
           <a:p>
             <a:fld id="{78C97017-6FC3-485B-9764-EAC9E56C1D49}" type="datetimeFigureOut">
               <a:rPr lang="en-US" smtClean="0"/>
-              <a:t>3/27/18</a:t>
+              <a:t>3/30/18</a:t>
             </a:fld>
             <a:endParaRPr lang="en-US"/>
           </a:p>
@@ -1782,7 +1782,7 @@
           <a:p>
             <a:fld id="{78C97017-6FC3-485B-9764-EAC9E56C1D49}" type="datetimeFigureOut">
               <a:rPr lang="en-US" smtClean="0"/>
-              <a:t>3/27/18</a:t>
+              <a:t>3/30/18</a:t>
             </a:fld>
             <a:endParaRPr lang="en-US"/>
           </a:p>
@@ -2201,7 +2201,7 @@
           <a:p>
             <a:fld id="{78C97017-6FC3-485B-9764-EAC9E56C1D49}" type="datetimeFigureOut">
               <a:rPr lang="en-US" smtClean="0"/>
-              <a:t>3/27/18</a:t>
+              <a:t>3/30/18</a:t>
             </a:fld>
             <a:endParaRPr lang="en-US"/>
           </a:p>
@@ -2318,7 +2318,7 @@
           <a:p>
             <a:fld id="{78C97017-6FC3-485B-9764-EAC9E56C1D49}" type="datetimeFigureOut">
               <a:rPr lang="en-US" smtClean="0"/>
-              <a:t>3/27/18</a:t>
+              <a:t>3/30/18</a:t>
             </a:fld>
             <a:endParaRPr lang="en-US"/>
           </a:p>
@@ -2413,7 +2413,7 @@
           <a:p>
             <a:fld id="{78C97017-6FC3-485B-9764-EAC9E56C1D49}" type="datetimeFigureOut">
               <a:rPr lang="en-US" smtClean="0"/>
-              <a:t>3/27/18</a:t>
+              <a:t>3/30/18</a:t>
             </a:fld>
             <a:endParaRPr lang="en-US"/>
           </a:p>
@@ -2688,7 +2688,7 @@
           <a:p>
             <a:fld id="{78C97017-6FC3-485B-9764-EAC9E56C1D49}" type="datetimeFigureOut">
               <a:rPr lang="en-US" smtClean="0"/>
-              <a:t>3/27/18</a:t>
+              <a:t>3/30/18</a:t>
             </a:fld>
             <a:endParaRPr lang="en-US"/>
           </a:p>
@@ -2940,7 +2940,7 @@
           <a:p>
             <a:fld id="{78C97017-6FC3-485B-9764-EAC9E56C1D49}" type="datetimeFigureOut">
               <a:rPr lang="en-US" smtClean="0"/>
-              <a:t>3/27/18</a:t>
+              <a:t>3/30/18</a:t>
             </a:fld>
             <a:endParaRPr lang="en-US"/>
           </a:p>
@@ -3151,7 +3151,7 @@
           <a:p>
             <a:fld id="{78C97017-6FC3-485B-9764-EAC9E56C1D49}" type="datetimeFigureOut">
               <a:rPr lang="en-US" smtClean="0"/>
-              <a:t>3/27/18</a:t>
+              <a:t>3/30/18</a:t>
             </a:fld>
             <a:endParaRPr lang="en-US"/>
           </a:p>
@@ -3534,8 +3534,8 @@
         </p:nvSpPr>
         <p:spPr>
           <a:xfrm>
-            <a:off x="533401" y="1981200"/>
-            <a:ext cx="8304708" cy="4572000"/>
+            <a:off x="539783" y="1981200"/>
+            <a:ext cx="9160587" cy="4575049"/>
           </a:xfrm>
           <a:prstGeom prst="roundRect">
             <a:avLst>
@@ -4139,7 +4139,7 @@
         </p:nvSpPr>
         <p:spPr>
           <a:xfrm>
-            <a:off x="-674262" y="2757413"/>
+            <a:off x="-829541" y="2759403"/>
             <a:ext cx="2010593" cy="215444"/>
           </a:xfrm>
           <a:prstGeom prst="rect">
@@ -4160,7 +4160,7 @@
                   <a:srgbClr val="0070C0"/>
                 </a:solidFill>
               </a:rPr>
-              <a:t>execute(“</a:t>
+              <a:t>Execute(</a:t>
             </a:r>
             <a:r>
               <a:rPr lang="en-US" sz="1400" dirty="0" err="1">
@@ -4168,7 +4168,7 @@
                   <a:srgbClr val="0070C0"/>
                 </a:solidFill>
               </a:rPr>
-              <a:t>sl</a:t>
+              <a:t>inputString</a:t>
             </a:r>
             <a:r>
               <a:rPr lang="en-US" sz="1400" dirty="0">
@@ -4176,7 +4176,7 @@
                   <a:srgbClr val="0070C0"/>
                 </a:solidFill>
               </a:rPr>
-              <a:t> 820297”)</a:t>
+              <a:t>)</a:t>
             </a:r>
           </a:p>
         </p:txBody>
@@ -4386,24 +4386,18 @@
         </p:nvSpPr>
         <p:spPr>
           <a:xfrm>
-            <a:off x="9094919" y="2163998"/>
+            <a:off x="9776569" y="2173684"/>
             <a:ext cx="1272431" cy="419577"/>
           </a:xfrm>
           <a:prstGeom prst="rect">
             <a:avLst/>
           </a:prstGeom>
           <a:solidFill>
-            <a:schemeClr val="accent4">
-              <a:lumMod val="60000"/>
-              <a:lumOff val="40000"/>
-            </a:schemeClr>
+            <a:schemeClr val="accent1"/>
           </a:solidFill>
           <a:ln w="19050">
             <a:solidFill>
-              <a:schemeClr val="accent4">
-                <a:lumMod val="60000"/>
-                <a:lumOff val="40000"/>
-              </a:schemeClr>
+              <a:schemeClr val="accent1"/>
             </a:solidFill>
           </a:ln>
           <a:effectLst/>
@@ -4433,7 +4427,15 @@
                   <a:schemeClr val="bg1"/>
                 </a:solidFill>
               </a:rPr>
-              <a:t>:GMAPSFX</a:t>
+              <a:t>:</a:t>
+            </a:r>
+            <a:r>
+              <a:rPr lang="en-US" sz="1600" dirty="0" err="1">
+                <a:solidFill>
+                  <a:schemeClr val="bg1"/>
+                </a:solidFill>
+              </a:rPr>
+              <a:t>MapPanel</a:t>
             </a:r>
             <a:endParaRPr lang="en-SG" sz="1600" dirty="0">
               <a:solidFill>
@@ -4530,103 +4532,6 @@
       </p:sp>
       <p:cxnSp>
         <p:nvCxnSpPr>
-          <p:cNvPr id="71" name="Straight Connector 70"/>
-          <p:cNvCxnSpPr/>
-          <p:nvPr/>
-        </p:nvCxnSpPr>
-        <p:spPr>
-          <a:xfrm>
-            <a:off x="9737932" y="2583575"/>
-            <a:ext cx="0" cy="2830598"/>
-          </a:xfrm>
-          <a:prstGeom prst="line">
-            <a:avLst/>
-          </a:prstGeom>
-          <a:ln w="19050">
-            <a:solidFill>
-              <a:schemeClr val="accent4">
-                <a:lumMod val="60000"/>
-                <a:lumOff val="40000"/>
-              </a:schemeClr>
-            </a:solidFill>
-            <a:prstDash val="sysDash"/>
-          </a:ln>
-          <a:effectLst/>
-        </p:spPr>
-        <p:style>
-          <a:lnRef idx="1">
-            <a:schemeClr val="accent1"/>
-          </a:lnRef>
-          <a:fillRef idx="2">
-            <a:schemeClr val="accent1"/>
-          </a:fillRef>
-          <a:effectRef idx="1">
-            <a:schemeClr val="accent1"/>
-          </a:effectRef>
-          <a:fontRef idx="minor">
-            <a:schemeClr val="dk1"/>
-          </a:fontRef>
-        </p:style>
-      </p:cxnSp>
-      <p:sp>
-        <p:nvSpPr>
-          <p:cNvPr id="73" name="Rectangle 72"/>
-          <p:cNvSpPr/>
-          <p:nvPr/>
-        </p:nvSpPr>
-        <p:spPr>
-          <a:xfrm>
-            <a:off x="9659510" y="4523578"/>
-            <a:ext cx="162341" cy="536100"/>
-          </a:xfrm>
-          <a:prstGeom prst="rect">
-            <a:avLst/>
-          </a:prstGeom>
-          <a:solidFill>
-            <a:schemeClr val="accent4">
-              <a:lumMod val="60000"/>
-              <a:lumOff val="40000"/>
-            </a:schemeClr>
-          </a:solidFill>
-          <a:ln>
-            <a:solidFill>
-              <a:schemeClr val="accent4">
-                <a:lumMod val="60000"/>
-                <a:lumOff val="40000"/>
-              </a:schemeClr>
-            </a:solidFill>
-          </a:ln>
-          <a:effectLst/>
-        </p:spPr>
-        <p:style>
-          <a:lnRef idx="1">
-            <a:schemeClr val="accent3"/>
-          </a:lnRef>
-          <a:fillRef idx="2">
-            <a:schemeClr val="accent3"/>
-          </a:fillRef>
-          <a:effectRef idx="1">
-            <a:schemeClr val="accent3"/>
-          </a:effectRef>
-          <a:fontRef idx="minor">
-            <a:schemeClr val="dk1"/>
-          </a:fontRef>
-        </p:style>
-        <p:txBody>
-          <a:bodyPr rtlCol="0" anchor="ctr"/>
-          <a:lstStyle/>
-          <a:p>
-            <a:pPr algn="ctr"/>
-            <a:endParaRPr lang="en-SG" sz="1400">
-              <a:solidFill>
-                <a:schemeClr val="dk1"/>
-              </a:solidFill>
-            </a:endParaRPr>
-          </a:p>
-        </p:txBody>
-      </p:sp>
-      <p:cxnSp>
-        <p:nvCxnSpPr>
           <p:cNvPr id="75" name="Straight Arrow Connector 74"/>
           <p:cNvCxnSpPr>
             <a:cxnSpLocks/>
@@ -4635,8 +4540,8 @@
         </p:nvCxnSpPr>
         <p:spPr>
           <a:xfrm>
-            <a:off x="6781800" y="4543442"/>
-            <a:ext cx="2871360" cy="0"/>
+            <a:off x="6763154" y="4876800"/>
+            <a:ext cx="3619493" cy="0"/>
           </a:xfrm>
           <a:prstGeom prst="straightConnector1">
             <a:avLst/>
@@ -4646,50 +4551,6 @@
               <a:srgbClr val="0070C0"/>
             </a:solidFill>
             <a:tailEnd type="arrow"/>
-          </a:ln>
-        </p:spPr>
-        <p:style>
-          <a:lnRef idx="1">
-            <a:schemeClr val="accent1"/>
-          </a:lnRef>
-          <a:fillRef idx="0">
-            <a:schemeClr val="accent1"/>
-          </a:fillRef>
-          <a:effectRef idx="0">
-            <a:schemeClr val="accent1"/>
-          </a:effectRef>
-          <a:fontRef idx="minor">
-            <a:schemeClr val="tx1"/>
-          </a:fontRef>
-        </p:style>
-      </p:cxnSp>
-      <p:cxnSp>
-        <p:nvCxnSpPr>
-          <p:cNvPr id="76" name="Straight Arrow Connector 75"/>
-          <p:cNvCxnSpPr>
-            <a:cxnSpLocks/>
-            <a:endCxn id="73" idx="2"/>
-          </p:cNvCxnSpPr>
-          <p:nvPr/>
-        </p:nvCxnSpPr>
-        <p:spPr>
-          <a:xfrm flipV="1">
-            <a:off x="6846147" y="5059678"/>
-            <a:ext cx="2894534" cy="16702"/>
-          </a:xfrm>
-          <a:prstGeom prst="straightConnector1">
-            <a:avLst/>
-          </a:prstGeom>
-          <a:ln w="19050">
-            <a:solidFill>
-              <a:schemeClr val="accent4">
-                <a:lumMod val="60000"/>
-                <a:lumOff val="40000"/>
-              </a:schemeClr>
-            </a:solidFill>
-            <a:prstDash val="sysDash"/>
-            <a:headEnd type="arrow" w="med" len="med"/>
-            <a:tailEnd type="none" w="med" len="med"/>
           </a:ln>
         </p:spPr>
         <p:style>
@@ -4755,7 +4616,7 @@
         </p:nvSpPr>
         <p:spPr>
           <a:xfrm>
-            <a:off x="6260444" y="4299794"/>
+            <a:off x="5901522" y="4829351"/>
             <a:ext cx="2854157" cy="215444"/>
           </a:xfrm>
           <a:prstGeom prst="rect">
@@ -4786,7 +4647,7 @@
                   <a:srgbClr val="7030A0"/>
                 </a:solidFill>
               </a:rPr>
-              <a:t>addMarker</a:t>
+              <a:t>setMarkerOnMap</a:t>
             </a:r>
             <a:r>
               <a:rPr lang="en-US" dirty="0">
@@ -4794,23 +4655,7 @@
                   <a:srgbClr val="7030A0"/>
                 </a:solidFill>
               </a:rPr>
-              <a:t>(m), </a:t>
-            </a:r>
-            <a:r>
-              <a:rPr lang="en-US" dirty="0" err="1">
-                <a:solidFill>
-                  <a:srgbClr val="7030A0"/>
-                </a:solidFill>
-              </a:rPr>
-              <a:t>setCentre</a:t>
-            </a:r>
-            <a:r>
-              <a:rPr lang="en-US" dirty="0">
-                <a:solidFill>
-                  <a:srgbClr val="7030A0"/>
-                </a:solidFill>
-              </a:rPr>
-              <a:t>(l))</a:t>
+              <a:t>(ma)</a:t>
             </a:r>
           </a:p>
         </p:txBody>
@@ -4823,8 +4668,8 @@
         </p:nvSpPr>
         <p:spPr>
           <a:xfrm>
-            <a:off x="3308737" y="3671302"/>
-            <a:ext cx="1076782" cy="184666"/>
+            <a:off x="3308736" y="3671302"/>
+            <a:ext cx="1217513" cy="184666"/>
           </a:xfrm>
           <a:prstGeom prst="rect">
             <a:avLst/>
@@ -4850,7 +4695,15 @@
           <a:p>
             <a:r>
               <a:rPr lang="en-US" sz="1200" dirty="0"/>
-              <a:t>parse(“820297”)</a:t>
+              <a:t>Parse(</a:t>
+            </a:r>
+            <a:r>
+              <a:rPr lang="en-US" sz="1200" dirty="0" err="1"/>
+              <a:t>toBeParsed</a:t>
+            </a:r>
+            <a:r>
+              <a:rPr lang="en-US" sz="1200" dirty="0"/>
+              <a:t>)</a:t>
             </a:r>
           </a:p>
         </p:txBody>
@@ -5095,7 +4948,7 @@
         </p:nvSpPr>
         <p:spPr>
           <a:xfrm>
-            <a:off x="2673845" y="4027787"/>
+            <a:off x="2287444" y="3999164"/>
             <a:ext cx="220343" cy="215444"/>
           </a:xfrm>
           <a:prstGeom prst="rect">
@@ -5121,9 +4974,10 @@
           </a:lstStyle>
           <a:p>
             <a:r>
-              <a:rPr lang="en-US" dirty="0"/>
-              <a:t>d</a:t>
-            </a:r>
+              <a:rPr lang="en-US" dirty="0" err="1"/>
+              <a:t>sl</a:t>
+            </a:r>
+            <a:endParaRPr lang="en-US" dirty="0"/>
           </a:p>
         </p:txBody>
       </p:sp>
@@ -5573,7 +5427,7 @@
         </p:nvSpPr>
         <p:spPr>
           <a:xfrm>
-            <a:off x="1040342" y="2854074"/>
+            <a:off x="955619" y="2840866"/>
             <a:ext cx="2010593" cy="215444"/>
           </a:xfrm>
           <a:prstGeom prst="rect">
@@ -5594,7 +5448,7 @@
                   <a:srgbClr val="0070C0"/>
                 </a:solidFill>
               </a:rPr>
-              <a:t>execute(“</a:t>
+              <a:t>execute(</a:t>
             </a:r>
             <a:r>
               <a:rPr lang="en-US" sz="1400" dirty="0" err="1">
@@ -5602,7 +5456,7 @@
                   <a:srgbClr val="0070C0"/>
                 </a:solidFill>
               </a:rPr>
-              <a:t>sl</a:t>
+              <a:t>inputString</a:t>
             </a:r>
             <a:r>
               <a:rPr lang="en-US" sz="1400" dirty="0">
@@ -5610,7 +5464,7 @@
                   <a:srgbClr val="0070C0"/>
                 </a:solidFill>
               </a:rPr>
-              <a:t> 820297”)</a:t>
+              <a:t>)</a:t>
             </a:r>
           </a:p>
         </p:txBody>
@@ -5920,10 +5774,10 @@
       </p:sp>
       <p:sp>
         <p:nvSpPr>
-          <p:cNvPr id="53" name="TextBox 52">
+          <p:cNvPr id="54" name="TextBox 53">
             <a:extLst>
               <a:ext uri="{FF2B5EF4-FFF2-40B4-BE49-F238E27FC236}">
-                <a16:creationId xmlns:a16="http://schemas.microsoft.com/office/drawing/2014/main" id="{80F4BB9A-D4D4-2649-B75E-5C4C1B9CFBE7}"/>
+                <a16:creationId xmlns:a16="http://schemas.microsoft.com/office/drawing/2014/main" id="{7DE4A6AD-016F-9549-B7FA-FC82AB6C9899}"/>
               </a:ext>
             </a:extLst>
           </p:cNvPr>
@@ -5932,8 +5786,105 @@
         </p:nvSpPr>
         <p:spPr>
           <a:xfrm>
-            <a:off x="6492353" y="4522455"/>
-            <a:ext cx="2854157" cy="215444"/>
+            <a:off x="2425471" y="1352667"/>
+            <a:ext cx="3834973" cy="430887"/>
+          </a:xfrm>
+          <a:prstGeom prst="rect">
+            <a:avLst/>
+          </a:prstGeom>
+          <a:noFill/>
+        </p:spPr>
+        <p:txBody>
+          <a:bodyPr wrap="square" lIns="0" tIns="0" rIns="0" bIns="0" rtlCol="0">
+            <a:spAutoFit/>
+          </a:bodyPr>
+          <a:lstStyle/>
+          <a:p>
+            <a:r>
+              <a:rPr lang="en-US" sz="1400" dirty="0">
+                <a:solidFill>
+                  <a:srgbClr val="0070C0"/>
+                </a:solidFill>
+              </a:rPr>
+              <a:t>String </a:t>
+            </a:r>
+            <a:r>
+              <a:rPr lang="en-US" sz="1400" dirty="0" err="1">
+                <a:solidFill>
+                  <a:srgbClr val="0070C0"/>
+                </a:solidFill>
+              </a:rPr>
+              <a:t>inputString</a:t>
+            </a:r>
+            <a:r>
+              <a:rPr lang="en-US" sz="1400" dirty="0">
+                <a:solidFill>
+                  <a:srgbClr val="0070C0"/>
+                </a:solidFill>
+              </a:rPr>
+              <a:t> = ”</a:t>
+            </a:r>
+            <a:r>
+              <a:rPr lang="en-US" sz="1400" dirty="0" err="1">
+                <a:solidFill>
+                  <a:srgbClr val="0070C0"/>
+                </a:solidFill>
+              </a:rPr>
+              <a:t>showLocation</a:t>
+            </a:r>
+            <a:r>
+              <a:rPr lang="en-US" sz="1400" dirty="0">
+                <a:solidFill>
+                  <a:srgbClr val="0070C0"/>
+                </a:solidFill>
+              </a:rPr>
+              <a:t> ma/820296”</a:t>
+            </a:r>
+          </a:p>
+          <a:p>
+            <a:r>
+              <a:rPr lang="en-US" sz="1400" dirty="0">
+                <a:solidFill>
+                  <a:srgbClr val="0070C0"/>
+                </a:solidFill>
+              </a:rPr>
+              <a:t>String </a:t>
+            </a:r>
+            <a:r>
+              <a:rPr lang="en-US" sz="1400" dirty="0" err="1">
+                <a:solidFill>
+                  <a:srgbClr val="0070C0"/>
+                </a:solidFill>
+              </a:rPr>
+              <a:t>toBeParsed</a:t>
+            </a:r>
+            <a:r>
+              <a:rPr lang="en-US" sz="1400" dirty="0">
+                <a:solidFill>
+                  <a:srgbClr val="0070C0"/>
+                </a:solidFill>
+              </a:rPr>
+              <a:t> = “ma/820296”</a:t>
+            </a:r>
+          </a:p>
+        </p:txBody>
+      </p:sp>
+      <p:sp>
+        <p:nvSpPr>
+          <p:cNvPr id="55" name="TextBox 54">
+            <a:extLst>
+              <a:ext uri="{FF2B5EF4-FFF2-40B4-BE49-F238E27FC236}">
+                <a16:creationId xmlns:a16="http://schemas.microsoft.com/office/drawing/2014/main" id="{EFF01AC4-8004-9241-85CF-67ED11C4EFBE}"/>
+              </a:ext>
+            </a:extLst>
+          </p:cNvPr>
+          <p:cNvSpPr txBox="1"/>
+          <p:nvPr/>
+        </p:nvSpPr>
+        <p:spPr>
+          <a:xfrm>
+            <a:off x="3983389" y="3979925"/>
+            <a:ext cx="220343" cy="215444"/>
           </a:xfrm>
           <a:prstGeom prst="rect">
             <a:avLst/>
@@ -5958,16 +5909,461 @@
           </a:lstStyle>
           <a:p>
             <a:r>
-              <a:rPr lang="en-US" dirty="0">
+              <a:rPr lang="en-US" dirty="0" err="1"/>
+              <a:t>sl</a:t>
+            </a:r>
+            <a:endParaRPr lang="en-US" dirty="0"/>
+          </a:p>
+        </p:txBody>
+      </p:sp>
+      <p:sp>
+        <p:nvSpPr>
+          <p:cNvPr id="68" name="Rectangle 62">
+            <a:extLst>
+              <a:ext uri="{FF2B5EF4-FFF2-40B4-BE49-F238E27FC236}">
+                <a16:creationId xmlns:a16="http://schemas.microsoft.com/office/drawing/2014/main" id="{41A3FDA2-AACC-4F4D-A92F-1F580A98B444}"/>
+              </a:ext>
+            </a:extLst>
+          </p:cNvPr>
+          <p:cNvSpPr/>
+          <p:nvPr/>
+        </p:nvSpPr>
+        <p:spPr>
+          <a:xfrm>
+            <a:off x="8350484" y="2183611"/>
+            <a:ext cx="1331520" cy="504855"/>
+          </a:xfrm>
+          <a:prstGeom prst="rect">
+            <a:avLst/>
+          </a:prstGeom>
+          <a:solidFill>
+            <a:srgbClr val="0070C0"/>
+          </a:solidFill>
+          <a:ln w="19050">
+            <a:solidFill>
+              <a:srgbClr val="0070C0"/>
+            </a:solidFill>
+          </a:ln>
+          <a:effectLst/>
+        </p:spPr>
+        <p:style>
+          <a:lnRef idx="1">
+            <a:schemeClr val="accent2"/>
+          </a:lnRef>
+          <a:fillRef idx="2">
+            <a:schemeClr val="accent2"/>
+          </a:fillRef>
+          <a:effectRef idx="1">
+            <a:schemeClr val="accent2"/>
+          </a:effectRef>
+          <a:fontRef idx="minor">
+            <a:schemeClr val="dk1"/>
+          </a:fontRef>
+        </p:style>
+        <p:txBody>
+          <a:bodyPr rtlCol="0" anchor="ctr"/>
+          <a:lstStyle/>
+          <a:p>
+            <a:pPr algn="ctr"/>
+            <a:r>
+              <a:rPr lang="en-US" sz="1600" dirty="0" err="1">
                 <a:solidFill>
-                  <a:srgbClr val="7030A0"/>
+                  <a:schemeClr val="bg1"/>
                 </a:solidFill>
               </a:rPr>
-              <a:t>zoom(10))</a:t>
-            </a:r>
-          </a:p>
-        </p:txBody>
-      </p:sp>
+              <a:t>sl:Geocoding</a:t>
+            </a:r>
+            <a:endParaRPr lang="en-SG" sz="1600" dirty="0">
+              <a:solidFill>
+                <a:schemeClr val="bg1"/>
+              </a:solidFill>
+            </a:endParaRPr>
+          </a:p>
+        </p:txBody>
+      </p:sp>
+      <p:cxnSp>
+        <p:nvCxnSpPr>
+          <p:cNvPr id="70" name="Straight Connector 69">
+            <a:extLst>
+              <a:ext uri="{FF2B5EF4-FFF2-40B4-BE49-F238E27FC236}">
+                <a16:creationId xmlns:a16="http://schemas.microsoft.com/office/drawing/2014/main" id="{1A4AF383-B590-BA40-9677-24843E85B891}"/>
+              </a:ext>
+            </a:extLst>
+          </p:cNvPr>
+          <p:cNvCxnSpPr>
+            <a:cxnSpLocks/>
+          </p:cNvCxnSpPr>
+          <p:nvPr/>
+        </p:nvCxnSpPr>
+        <p:spPr>
+          <a:xfrm>
+            <a:off x="9040755" y="2502809"/>
+            <a:ext cx="6156" cy="3881260"/>
+          </a:xfrm>
+          <a:prstGeom prst="line">
+            <a:avLst/>
+          </a:prstGeom>
+          <a:ln w="19050">
+            <a:solidFill>
+              <a:srgbClr val="0070C0"/>
+            </a:solidFill>
+            <a:prstDash val="sysDash"/>
+          </a:ln>
+          <a:effectLst/>
+        </p:spPr>
+        <p:style>
+          <a:lnRef idx="1">
+            <a:schemeClr val="accent1"/>
+          </a:lnRef>
+          <a:fillRef idx="2">
+            <a:schemeClr val="accent1"/>
+          </a:fillRef>
+          <a:effectRef idx="1">
+            <a:schemeClr val="accent1"/>
+          </a:effectRef>
+          <a:fontRef idx="minor">
+            <a:schemeClr val="dk1"/>
+          </a:fontRef>
+        </p:style>
+      </p:cxnSp>
+      <p:cxnSp>
+        <p:nvCxnSpPr>
+          <p:cNvPr id="72" name="Straight Arrow Connector 71">
+            <a:extLst>
+              <a:ext uri="{FF2B5EF4-FFF2-40B4-BE49-F238E27FC236}">
+                <a16:creationId xmlns:a16="http://schemas.microsoft.com/office/drawing/2014/main" id="{20581120-D1F2-C146-8E28-459EBF16BF1F}"/>
+              </a:ext>
+            </a:extLst>
+          </p:cNvPr>
+          <p:cNvCxnSpPr>
+            <a:cxnSpLocks/>
+          </p:cNvCxnSpPr>
+          <p:nvPr/>
+        </p:nvCxnSpPr>
+        <p:spPr>
+          <a:xfrm flipV="1">
+            <a:off x="6846147" y="4531859"/>
+            <a:ext cx="2108859" cy="14287"/>
+          </a:xfrm>
+          <a:prstGeom prst="straightConnector1">
+            <a:avLst/>
+          </a:prstGeom>
+          <a:ln w="19050">
+            <a:solidFill>
+              <a:srgbClr val="0070C0"/>
+            </a:solidFill>
+            <a:tailEnd type="arrow"/>
+          </a:ln>
+        </p:spPr>
+        <p:style>
+          <a:lnRef idx="1">
+            <a:schemeClr val="accent1"/>
+          </a:lnRef>
+          <a:fillRef idx="0">
+            <a:schemeClr val="accent1"/>
+          </a:fillRef>
+          <a:effectRef idx="0">
+            <a:schemeClr val="accent1"/>
+          </a:effectRef>
+          <a:fontRef idx="minor">
+            <a:schemeClr val="tx1"/>
+          </a:fontRef>
+        </p:style>
+      </p:cxnSp>
+      <p:sp>
+        <p:nvSpPr>
+          <p:cNvPr id="74" name="Rectangle 73">
+            <a:extLst>
+              <a:ext uri="{FF2B5EF4-FFF2-40B4-BE49-F238E27FC236}">
+                <a16:creationId xmlns:a16="http://schemas.microsoft.com/office/drawing/2014/main" id="{182B1D40-714A-0345-B461-43125B5A568A}"/>
+              </a:ext>
+            </a:extLst>
+          </p:cNvPr>
+          <p:cNvSpPr/>
+          <p:nvPr/>
+        </p:nvSpPr>
+        <p:spPr>
+          <a:xfrm>
+            <a:off x="8955006" y="4536987"/>
+            <a:ext cx="188994" cy="171819"/>
+          </a:xfrm>
+          <a:prstGeom prst="rect">
+            <a:avLst/>
+          </a:prstGeom>
+          <a:solidFill>
+            <a:srgbClr val="0070C0"/>
+          </a:solidFill>
+          <a:ln>
+            <a:solidFill>
+              <a:srgbClr val="0070C0"/>
+            </a:solidFill>
+          </a:ln>
+          <a:effectLst/>
+        </p:spPr>
+        <p:style>
+          <a:lnRef idx="1">
+            <a:schemeClr val="accent3"/>
+          </a:lnRef>
+          <a:fillRef idx="2">
+            <a:schemeClr val="accent3"/>
+          </a:fillRef>
+          <a:effectRef idx="1">
+            <a:schemeClr val="accent3"/>
+          </a:effectRef>
+          <a:fontRef idx="minor">
+            <a:schemeClr val="dk1"/>
+          </a:fontRef>
+        </p:style>
+        <p:txBody>
+          <a:bodyPr rtlCol="0" anchor="ctr"/>
+          <a:lstStyle/>
+          <a:p>
+            <a:pPr algn="ctr"/>
+            <a:endParaRPr lang="en-SG" sz="1400"/>
+          </a:p>
+        </p:txBody>
+      </p:sp>
+      <p:cxnSp>
+        <p:nvCxnSpPr>
+          <p:cNvPr id="80" name="Straight Arrow Connector 79">
+            <a:extLst>
+              <a:ext uri="{FF2B5EF4-FFF2-40B4-BE49-F238E27FC236}">
+                <a16:creationId xmlns:a16="http://schemas.microsoft.com/office/drawing/2014/main" id="{E1DE3668-A9DF-FC4D-B0AB-8157B080AF4F}"/>
+              </a:ext>
+            </a:extLst>
+          </p:cNvPr>
+          <p:cNvCxnSpPr>
+            <a:cxnSpLocks/>
+          </p:cNvCxnSpPr>
+          <p:nvPr/>
+        </p:nvCxnSpPr>
+        <p:spPr>
+          <a:xfrm flipV="1">
+            <a:off x="6825154" y="4685482"/>
+            <a:ext cx="2115090" cy="23325"/>
+          </a:xfrm>
+          <a:prstGeom prst="straightConnector1">
+            <a:avLst/>
+          </a:prstGeom>
+          <a:ln w="19050">
+            <a:solidFill>
+              <a:srgbClr val="0070C0"/>
+            </a:solidFill>
+            <a:prstDash val="sysDash"/>
+            <a:headEnd type="arrow" w="med" len="med"/>
+            <a:tailEnd type="none" w="med" len="med"/>
+          </a:ln>
+        </p:spPr>
+        <p:style>
+          <a:lnRef idx="1">
+            <a:schemeClr val="accent1"/>
+          </a:lnRef>
+          <a:fillRef idx="0">
+            <a:schemeClr val="accent1"/>
+          </a:fillRef>
+          <a:effectRef idx="0">
+            <a:schemeClr val="accent1"/>
+          </a:effectRef>
+          <a:fontRef idx="minor">
+            <a:schemeClr val="tx1"/>
+          </a:fontRef>
+        </p:style>
+      </p:cxnSp>
+      <p:sp>
+        <p:nvSpPr>
+          <p:cNvPr id="89" name="TextBox 88">
+            <a:extLst>
+              <a:ext uri="{FF2B5EF4-FFF2-40B4-BE49-F238E27FC236}">
+                <a16:creationId xmlns:a16="http://schemas.microsoft.com/office/drawing/2014/main" id="{C72DA43F-E04A-034B-A1C7-E4125747C018}"/>
+              </a:ext>
+            </a:extLst>
+          </p:cNvPr>
+          <p:cNvSpPr txBox="1"/>
+          <p:nvPr/>
+        </p:nvSpPr>
+        <p:spPr>
+          <a:xfrm>
+            <a:off x="7047588" y="4272914"/>
+            <a:ext cx="855809" cy="215444"/>
+          </a:xfrm>
+          <a:prstGeom prst="rect">
+            <a:avLst/>
+          </a:prstGeom>
+          <a:noFill/>
+        </p:spPr>
+        <p:txBody>
+          <a:bodyPr wrap="square" lIns="0" tIns="0" rIns="0" bIns="0" rtlCol="0">
+            <a:spAutoFit/>
+          </a:bodyPr>
+          <a:lstStyle>
+            <a:defPPr>
+              <a:defRPr lang="en-US"/>
+            </a:defPPr>
+            <a:lvl1pPr algn="r">
+              <a:defRPr sz="1400">
+                <a:solidFill>
+                  <a:srgbClr val="0070C0"/>
+                </a:solidFill>
+              </a:defRPr>
+            </a:lvl1pPr>
+          </a:lstStyle>
+          <a:p>
+            <a:r>
+              <a:rPr lang="en-US" dirty="0" err="1"/>
+              <a:t>getLatLng</a:t>
+            </a:r>
+            <a:r>
+              <a:rPr lang="en-US" dirty="0"/>
+              <a:t>()</a:t>
+            </a:r>
+          </a:p>
+        </p:txBody>
+      </p:sp>
+      <p:cxnSp>
+        <p:nvCxnSpPr>
+          <p:cNvPr id="91" name="Straight Connector 90">
+            <a:extLst>
+              <a:ext uri="{FF2B5EF4-FFF2-40B4-BE49-F238E27FC236}">
+                <a16:creationId xmlns:a16="http://schemas.microsoft.com/office/drawing/2014/main" id="{34AA043C-E607-424B-88A5-3E33B6984410}"/>
+              </a:ext>
+            </a:extLst>
+          </p:cNvPr>
+          <p:cNvCxnSpPr>
+            <a:cxnSpLocks/>
+          </p:cNvCxnSpPr>
+          <p:nvPr/>
+        </p:nvCxnSpPr>
+        <p:spPr>
+          <a:xfrm>
+            <a:off x="10449893" y="2591229"/>
+            <a:ext cx="6156" cy="3881260"/>
+          </a:xfrm>
+          <a:prstGeom prst="line">
+            <a:avLst/>
+          </a:prstGeom>
+          <a:ln w="19050">
+            <a:solidFill>
+              <a:srgbClr val="0070C0"/>
+            </a:solidFill>
+            <a:prstDash val="sysDash"/>
+          </a:ln>
+          <a:effectLst/>
+        </p:spPr>
+        <p:style>
+          <a:lnRef idx="1">
+            <a:schemeClr val="accent1"/>
+          </a:lnRef>
+          <a:fillRef idx="2">
+            <a:schemeClr val="accent1"/>
+          </a:fillRef>
+          <a:effectRef idx="1">
+            <a:schemeClr val="accent1"/>
+          </a:effectRef>
+          <a:fontRef idx="minor">
+            <a:schemeClr val="dk1"/>
+          </a:fontRef>
+        </p:style>
+      </p:cxnSp>
+      <p:sp>
+        <p:nvSpPr>
+          <p:cNvPr id="92" name="Rectangle 91">
+            <a:extLst>
+              <a:ext uri="{FF2B5EF4-FFF2-40B4-BE49-F238E27FC236}">
+                <a16:creationId xmlns:a16="http://schemas.microsoft.com/office/drawing/2014/main" id="{F26F769A-30E2-2342-8890-92A4CA1FBA36}"/>
+              </a:ext>
+            </a:extLst>
+          </p:cNvPr>
+          <p:cNvSpPr/>
+          <p:nvPr/>
+        </p:nvSpPr>
+        <p:spPr>
+          <a:xfrm>
+            <a:off x="10348531" y="4876800"/>
+            <a:ext cx="186342" cy="287214"/>
+          </a:xfrm>
+          <a:prstGeom prst="rect">
+            <a:avLst/>
+          </a:prstGeom>
+          <a:solidFill>
+            <a:srgbClr val="0070C0"/>
+          </a:solidFill>
+          <a:ln>
+            <a:solidFill>
+              <a:srgbClr val="0070C0"/>
+            </a:solidFill>
+          </a:ln>
+          <a:effectLst/>
+        </p:spPr>
+        <p:style>
+          <a:lnRef idx="1">
+            <a:schemeClr val="accent3"/>
+          </a:lnRef>
+          <a:fillRef idx="2">
+            <a:schemeClr val="accent3"/>
+          </a:fillRef>
+          <a:effectRef idx="1">
+            <a:schemeClr val="accent3"/>
+          </a:effectRef>
+          <a:fontRef idx="minor">
+            <a:schemeClr val="dk1"/>
+          </a:fontRef>
+        </p:style>
+        <p:txBody>
+          <a:bodyPr rtlCol="0" anchor="ctr"/>
+          <a:lstStyle/>
+          <a:p>
+            <a:pPr algn="ctr"/>
+            <a:endParaRPr lang="en-SG" sz="1400"/>
+          </a:p>
+        </p:txBody>
+      </p:sp>
+      <p:cxnSp>
+        <p:nvCxnSpPr>
+          <p:cNvPr id="94" name="Straight Arrow Connector 93">
+            <a:extLst>
+              <a:ext uri="{FF2B5EF4-FFF2-40B4-BE49-F238E27FC236}">
+                <a16:creationId xmlns:a16="http://schemas.microsoft.com/office/drawing/2014/main" id="{C6BE5B39-888B-874E-A0DB-7997F23EB72F}"/>
+              </a:ext>
+            </a:extLst>
+          </p:cNvPr>
+          <p:cNvCxnSpPr>
+            <a:cxnSpLocks/>
+            <a:endCxn id="92" idx="2"/>
+          </p:cNvCxnSpPr>
+          <p:nvPr/>
+        </p:nvCxnSpPr>
+        <p:spPr>
+          <a:xfrm>
+            <a:off x="6832064" y="5161820"/>
+            <a:ext cx="3609638" cy="2194"/>
+          </a:xfrm>
+          <a:prstGeom prst="straightConnector1">
+            <a:avLst/>
+          </a:prstGeom>
+          <a:ln w="19050">
+            <a:solidFill>
+              <a:srgbClr val="0070C0"/>
+            </a:solidFill>
+            <a:prstDash val="sysDash"/>
+            <a:headEnd type="arrow" w="med" len="med"/>
+            <a:tailEnd type="none" w="med" len="med"/>
+          </a:ln>
+        </p:spPr>
+        <p:style>
+          <a:lnRef idx="1">
+            <a:schemeClr val="accent1"/>
+          </a:lnRef>
+          <a:fillRef idx="0">
+            <a:schemeClr val="accent1"/>
+          </a:fillRef>
+          <a:effectRef idx="0">
+            <a:schemeClr val="accent1"/>
+          </a:effectRef>
+          <a:fontRef idx="minor">
+            <a:schemeClr val="tx1"/>
+          </a:fontRef>
+        </p:style>
+      </p:cxnSp>
     </p:spTree>
     <p:extLst>
       <p:ext uri="{BB962C8B-B14F-4D97-AF65-F5344CB8AC3E}">

--- a/docs/diagrams/ShowLocationSequenceDiagram.pptx
+++ b/docs/diagrams/ShowLocationSequenceDiagram.pptx
@@ -4540,8 +4540,8 @@
         </p:nvCxnSpPr>
         <p:spPr>
           <a:xfrm>
-            <a:off x="6763154" y="4876800"/>
-            <a:ext cx="3619493" cy="0"/>
+            <a:off x="6832064" y="5071608"/>
+            <a:ext cx="3528996" cy="13844"/>
           </a:xfrm>
           <a:prstGeom prst="straightConnector1">
             <a:avLst/>
@@ -4616,7 +4616,7 @@
         </p:nvSpPr>
         <p:spPr>
           <a:xfrm>
-            <a:off x="5901522" y="4829351"/>
+            <a:off x="6115196" y="5043760"/>
             <a:ext cx="2854157" cy="215444"/>
           </a:xfrm>
           <a:prstGeom prst="rect">
@@ -4655,7 +4655,7 @@
                   <a:srgbClr val="7030A0"/>
                 </a:solidFill>
               </a:rPr>
-              <a:t>(ma)</a:t>
+              <a:t>()</a:t>
             </a:r>
           </a:p>
         </p:txBody>
@@ -5484,9 +5484,9 @@
           <p:nvPr/>
         </p:nvCxnSpPr>
         <p:spPr>
-          <a:xfrm flipV="1">
-            <a:off x="6825154" y="3876401"/>
-            <a:ext cx="1243302" cy="9341"/>
+          <a:xfrm>
+            <a:off x="6872285" y="3845308"/>
+            <a:ext cx="3473594" cy="0"/>
           </a:xfrm>
           <a:prstGeom prst="straightConnector1">
             <a:avLst/>
@@ -5530,7 +5530,7 @@
         <p:spPr>
           <a:xfrm>
             <a:off x="6846147" y="4027787"/>
-            <a:ext cx="1222309" cy="0"/>
+            <a:ext cx="3499732" cy="0"/>
           </a:xfrm>
           <a:prstGeom prst="straightConnector1">
             <a:avLst/>
@@ -5559,71 +5559,6 @@
           </a:fontRef>
         </p:style>
       </p:cxnSp>
-      <p:sp>
-        <p:nvSpPr>
-          <p:cNvPr id="69" name="Rectangle 62">
-            <a:extLst>
-              <a:ext uri="{FF2B5EF4-FFF2-40B4-BE49-F238E27FC236}">
-                <a16:creationId xmlns:a16="http://schemas.microsoft.com/office/drawing/2014/main" id="{7613AFBB-054B-184C-BC8C-3EFD16166BF0}"/>
-              </a:ext>
-            </a:extLst>
-          </p:cNvPr>
-          <p:cNvSpPr/>
-          <p:nvPr/>
-        </p:nvSpPr>
-        <p:spPr>
-          <a:xfrm>
-            <a:off x="7480835" y="1287356"/>
-            <a:ext cx="1241266" cy="437327"/>
-          </a:xfrm>
-          <a:prstGeom prst="rect">
-            <a:avLst/>
-          </a:prstGeom>
-          <a:solidFill>
-            <a:srgbClr val="0070C0"/>
-          </a:solidFill>
-          <a:ln w="19050">
-            <a:solidFill>
-              <a:srgbClr val="0070C0"/>
-            </a:solidFill>
-          </a:ln>
-          <a:effectLst/>
-        </p:spPr>
-        <p:style>
-          <a:lnRef idx="1">
-            <a:schemeClr val="accent2"/>
-          </a:lnRef>
-          <a:fillRef idx="2">
-            <a:schemeClr val="accent2"/>
-          </a:fillRef>
-          <a:effectRef idx="1">
-            <a:schemeClr val="accent2"/>
-          </a:effectRef>
-          <a:fontRef idx="minor">
-            <a:schemeClr val="dk1"/>
-          </a:fontRef>
-        </p:style>
-        <p:txBody>
-          <a:bodyPr rtlCol="0" anchor="ctr"/>
-          <a:lstStyle/>
-          <a:p>
-            <a:pPr algn="ctr"/>
-            <a:r>
-              <a:rPr lang="en-US" sz="1600" dirty="0" err="1">
-                <a:solidFill>
-                  <a:schemeClr val="bg1"/>
-                </a:solidFill>
-              </a:rPr>
-              <a:t>sl:MapPanel</a:t>
-            </a:r>
-            <a:endParaRPr lang="en-SG" sz="1600" dirty="0">
-              <a:solidFill>
-                <a:schemeClr val="bg1"/>
-              </a:solidFill>
-            </a:endParaRPr>
-          </a:p>
-        </p:txBody>
-      </p:sp>
       <p:sp>
         <p:nvSpPr>
           <p:cNvPr id="85" name="Rectangle 84">
@@ -5638,7 +5573,7 @@
         </p:nvSpPr>
         <p:spPr>
           <a:xfrm>
-            <a:off x="8088214" y="3855968"/>
+            <a:off x="10345879" y="3855968"/>
             <a:ext cx="188994" cy="171819"/>
           </a:xfrm>
           <a:prstGeom prst="rect">
@@ -5677,51 +5612,6 @@
           </a:p>
         </p:txBody>
       </p:sp>
-      <p:cxnSp>
-        <p:nvCxnSpPr>
-          <p:cNvPr id="87" name="Straight Connector 86">
-            <a:extLst>
-              <a:ext uri="{FF2B5EF4-FFF2-40B4-BE49-F238E27FC236}">
-                <a16:creationId xmlns:a16="http://schemas.microsoft.com/office/drawing/2014/main" id="{7BD9EBA4-F827-CE4E-86A2-B858BCD7D359}"/>
-              </a:ext>
-            </a:extLst>
-          </p:cNvPr>
-          <p:cNvCxnSpPr>
-            <a:cxnSpLocks/>
-          </p:cNvCxnSpPr>
-          <p:nvPr/>
-        </p:nvCxnSpPr>
-        <p:spPr>
-          <a:xfrm>
-            <a:off x="8160361" y="1768715"/>
-            <a:ext cx="23678" cy="5041002"/>
-          </a:xfrm>
-          <a:prstGeom prst="line">
-            <a:avLst/>
-          </a:prstGeom>
-          <a:ln w="19050">
-            <a:solidFill>
-              <a:srgbClr val="0070C0"/>
-            </a:solidFill>
-            <a:prstDash val="sysDash"/>
-          </a:ln>
-          <a:effectLst/>
-        </p:spPr>
-        <p:style>
-          <a:lnRef idx="1">
-            <a:schemeClr val="accent1"/>
-          </a:lnRef>
-          <a:fillRef idx="2">
-            <a:schemeClr val="accent1"/>
-          </a:fillRef>
-          <a:effectRef idx="1">
-            <a:schemeClr val="accent1"/>
-          </a:effectRef>
-          <a:fontRef idx="minor">
-            <a:schemeClr val="dk1"/>
-          </a:fontRef>
-        </p:style>
-      </p:cxnSp>
       <p:sp>
         <p:nvSpPr>
           <p:cNvPr id="88" name="TextBox 87">
@@ -5736,7 +5626,7 @@
         </p:nvSpPr>
         <p:spPr>
           <a:xfrm>
-            <a:off x="7266452" y="3633599"/>
+            <a:off x="7706895" y="3590851"/>
             <a:ext cx="855809" cy="215444"/>
           </a:xfrm>
           <a:prstGeom prst="rect">
@@ -6138,9 +6028,9 @@
           <p:nvPr/>
         </p:nvCxnSpPr>
         <p:spPr>
-          <a:xfrm flipV="1">
-            <a:off x="6825154" y="4685482"/>
-            <a:ext cx="2115090" cy="23325"/>
+          <a:xfrm>
+            <a:off x="6842325" y="4685482"/>
+            <a:ext cx="2097919" cy="1"/>
           </a:xfrm>
           <a:prstGeom prst="straightConnector1">
             <a:avLst/>
@@ -6183,8 +6073,8 @@
         </p:nvSpPr>
         <p:spPr>
           <a:xfrm>
-            <a:off x="7047588" y="4272914"/>
-            <a:ext cx="855809" cy="215444"/>
+            <a:off x="6705402" y="4272914"/>
+            <a:ext cx="2306566" cy="215444"/>
           </a:xfrm>
           <a:prstGeom prst="rect">
             <a:avLst/>
@@ -6210,7 +6100,7 @@
           <a:p>
             <a:r>
               <a:rPr lang="en-US" dirty="0" err="1"/>
-              <a:t>getLatLng</a:t>
+              <a:t>initialiseLatLngFromAddress</a:t>
             </a:r>
             <a:r>
               <a:rPr lang="en-US" dirty="0"/>
@@ -6278,8 +6168,8 @@
         </p:nvSpPr>
         <p:spPr>
           <a:xfrm>
-            <a:off x="10348531" y="4876800"/>
-            <a:ext cx="186342" cy="287214"/>
+            <a:off x="10348531" y="5097356"/>
+            <a:ext cx="178920" cy="160444"/>
           </a:xfrm>
           <a:prstGeom prst="rect">
             <a:avLst/>
@@ -6328,13 +6218,12 @@
           </p:cNvPr>
           <p:cNvCxnSpPr>
             <a:cxnSpLocks/>
-            <a:endCxn id="92" idx="2"/>
           </p:cNvCxnSpPr>
           <p:nvPr/>
         </p:nvCxnSpPr>
         <p:spPr>
           <a:xfrm>
-            <a:off x="6832064" y="5161820"/>
+            <a:off x="6832064" y="5255606"/>
             <a:ext cx="3609638" cy="2194"/>
           </a:xfrm>
           <a:prstGeom prst="straightConnector1">
@@ -6364,6 +6253,207 @@
           </a:fontRef>
         </p:style>
       </p:cxnSp>
+      <p:sp>
+        <p:nvSpPr>
+          <p:cNvPr id="71" name="Rectangle 70">
+            <a:extLst>
+              <a:ext uri="{FF2B5EF4-FFF2-40B4-BE49-F238E27FC236}">
+                <a16:creationId xmlns:a16="http://schemas.microsoft.com/office/drawing/2014/main" id="{FB09C1D6-3265-1B49-A393-FD81C92425D3}"/>
+              </a:ext>
+            </a:extLst>
+          </p:cNvPr>
+          <p:cNvSpPr/>
+          <p:nvPr/>
+        </p:nvSpPr>
+        <p:spPr>
+          <a:xfrm>
+            <a:off x="10356672" y="4832039"/>
+            <a:ext cx="178920" cy="160444"/>
+          </a:xfrm>
+          <a:prstGeom prst="rect">
+            <a:avLst/>
+          </a:prstGeom>
+          <a:solidFill>
+            <a:srgbClr val="0070C0"/>
+          </a:solidFill>
+          <a:ln>
+            <a:solidFill>
+              <a:srgbClr val="0070C0"/>
+            </a:solidFill>
+          </a:ln>
+          <a:effectLst/>
+        </p:spPr>
+        <p:style>
+          <a:lnRef idx="1">
+            <a:schemeClr val="accent3"/>
+          </a:lnRef>
+          <a:fillRef idx="2">
+            <a:schemeClr val="accent3"/>
+          </a:fillRef>
+          <a:effectRef idx="1">
+            <a:schemeClr val="accent3"/>
+          </a:effectRef>
+          <a:fontRef idx="minor">
+            <a:schemeClr val="dk1"/>
+          </a:fontRef>
+        </p:style>
+        <p:txBody>
+          <a:bodyPr rtlCol="0" anchor="ctr"/>
+          <a:lstStyle/>
+          <a:p>
+            <a:pPr algn="ctr"/>
+            <a:endParaRPr lang="en-SG" sz="1400"/>
+          </a:p>
+        </p:txBody>
+      </p:sp>
+      <p:cxnSp>
+        <p:nvCxnSpPr>
+          <p:cNvPr id="73" name="Straight Arrow Connector 72">
+            <a:extLst>
+              <a:ext uri="{FF2B5EF4-FFF2-40B4-BE49-F238E27FC236}">
+                <a16:creationId xmlns:a16="http://schemas.microsoft.com/office/drawing/2014/main" id="{8F521EFC-F1B6-3A4A-8475-D0008907EB66}"/>
+              </a:ext>
+            </a:extLst>
+          </p:cNvPr>
+          <p:cNvCxnSpPr>
+            <a:cxnSpLocks/>
+          </p:cNvCxnSpPr>
+          <p:nvPr/>
+        </p:nvCxnSpPr>
+        <p:spPr>
+          <a:xfrm>
+            <a:off x="6829762" y="4993205"/>
+            <a:ext cx="3609638" cy="2194"/>
+          </a:xfrm>
+          <a:prstGeom prst="straightConnector1">
+            <a:avLst/>
+          </a:prstGeom>
+          <a:ln w="19050">
+            <a:solidFill>
+              <a:srgbClr val="0070C0"/>
+            </a:solidFill>
+            <a:prstDash val="sysDash"/>
+            <a:headEnd type="arrow" w="med" len="med"/>
+            <a:tailEnd type="none" w="med" len="med"/>
+          </a:ln>
+        </p:spPr>
+        <p:style>
+          <a:lnRef idx="1">
+            <a:schemeClr val="accent1"/>
+          </a:lnRef>
+          <a:fillRef idx="0">
+            <a:schemeClr val="accent1"/>
+          </a:fillRef>
+          <a:effectRef idx="0">
+            <a:schemeClr val="accent1"/>
+          </a:effectRef>
+          <a:fontRef idx="minor">
+            <a:schemeClr val="tx1"/>
+          </a:fontRef>
+        </p:style>
+      </p:cxnSp>
+      <p:cxnSp>
+        <p:nvCxnSpPr>
+          <p:cNvPr id="76" name="Straight Arrow Connector 75">
+            <a:extLst>
+              <a:ext uri="{FF2B5EF4-FFF2-40B4-BE49-F238E27FC236}">
+                <a16:creationId xmlns:a16="http://schemas.microsoft.com/office/drawing/2014/main" id="{7A05F80A-C9AA-D341-AF25-285E201B94DD}"/>
+              </a:ext>
+            </a:extLst>
+          </p:cNvPr>
+          <p:cNvCxnSpPr>
+            <a:cxnSpLocks/>
+          </p:cNvCxnSpPr>
+          <p:nvPr/>
+        </p:nvCxnSpPr>
+        <p:spPr>
+          <a:xfrm>
+            <a:off x="6825154" y="4832039"/>
+            <a:ext cx="3535010" cy="0"/>
+          </a:xfrm>
+          <a:prstGeom prst="straightConnector1">
+            <a:avLst/>
+          </a:prstGeom>
+          <a:ln w="19050">
+            <a:solidFill>
+              <a:srgbClr val="0070C0"/>
+            </a:solidFill>
+            <a:tailEnd type="arrow"/>
+          </a:ln>
+        </p:spPr>
+        <p:style>
+          <a:lnRef idx="1">
+            <a:schemeClr val="accent1"/>
+          </a:lnRef>
+          <a:fillRef idx="0">
+            <a:schemeClr val="accent1"/>
+          </a:fillRef>
+          <a:effectRef idx="0">
+            <a:schemeClr val="accent1"/>
+          </a:effectRef>
+          <a:fontRef idx="minor">
+            <a:schemeClr val="tx1"/>
+          </a:fontRef>
+        </p:style>
+      </p:cxnSp>
+      <p:sp>
+        <p:nvSpPr>
+          <p:cNvPr id="95" name="TextBox 94">
+            <a:extLst>
+              <a:ext uri="{FF2B5EF4-FFF2-40B4-BE49-F238E27FC236}">
+                <a16:creationId xmlns:a16="http://schemas.microsoft.com/office/drawing/2014/main" id="{29215EA5-1C2B-C048-8337-B63821D27882}"/>
+              </a:ext>
+            </a:extLst>
+          </p:cNvPr>
+          <p:cNvSpPr txBox="1"/>
+          <p:nvPr/>
+        </p:nvSpPr>
+        <p:spPr>
+          <a:xfrm>
+            <a:off x="6640245" y="4795169"/>
+            <a:ext cx="2854157" cy="215444"/>
+          </a:xfrm>
+          <a:prstGeom prst="rect">
+            <a:avLst/>
+          </a:prstGeom>
+          <a:noFill/>
+        </p:spPr>
+        <p:txBody>
+          <a:bodyPr wrap="square" lIns="0" tIns="0" rIns="0" bIns="0" rtlCol="0">
+            <a:spAutoFit/>
+          </a:bodyPr>
+          <a:lstStyle>
+            <a:defPPr>
+              <a:defRPr lang="en-US"/>
+            </a:defPPr>
+            <a:lvl1pPr algn="r">
+              <a:defRPr sz="1400">
+                <a:solidFill>
+                  <a:srgbClr val="0070C0"/>
+                </a:solidFill>
+              </a:defRPr>
+            </a:lvl1pPr>
+          </a:lstStyle>
+          <a:p>
+            <a:r>
+              <a:rPr lang="en-US" dirty="0" err="1">
+                <a:solidFill>
+                  <a:srgbClr val="7030A0"/>
+                </a:solidFill>
+              </a:rPr>
+              <a:t>removeExistingMarker</a:t>
+            </a:r>
+            <a:r>
+              <a:rPr lang="en-US" dirty="0">
+                <a:solidFill>
+                  <a:srgbClr val="7030A0"/>
+                </a:solidFill>
+              </a:rPr>
+              <a:t>()</a:t>
+            </a:r>
+          </a:p>
+        </p:txBody>
+      </p:sp>
     </p:spTree>
     <p:extLst>
       <p:ext uri="{BB962C8B-B14F-4D97-AF65-F5344CB8AC3E}">

--- a/docs/diagrams/ShowLocationSequenceDiagram.pptx
+++ b/docs/diagrams/ShowLocationSequenceDiagram.pptx
@@ -3904,7 +3904,7 @@
         </p:nvSpPr>
         <p:spPr>
           <a:xfrm>
-            <a:off x="6338499" y="3059199"/>
+            <a:off x="6337139" y="2759403"/>
             <a:ext cx="1080131" cy="731515"/>
           </a:xfrm>
           <a:prstGeom prst="rect">
@@ -3981,8 +3981,8 @@
         </p:nvCxnSpPr>
         <p:spPr>
           <a:xfrm>
-            <a:off x="6763154" y="3745482"/>
-            <a:ext cx="7769" cy="2638587"/>
+            <a:off x="6769080" y="3404566"/>
+            <a:ext cx="1843" cy="2979503"/>
           </a:xfrm>
           <a:prstGeom prst="line">
             <a:avLst/>
@@ -4018,8 +4018,8 @@
         </p:nvSpPr>
         <p:spPr>
           <a:xfrm>
-            <a:off x="6680161" y="3745482"/>
-            <a:ext cx="165986" cy="369318"/>
+            <a:off x="6680160" y="3404566"/>
+            <a:ext cx="177840" cy="611317"/>
           </a:xfrm>
           <a:prstGeom prst="rect">
             <a:avLst/>
@@ -4191,7 +4191,7 @@
         </p:nvCxnSpPr>
         <p:spPr>
           <a:xfrm flipV="1">
-            <a:off x="4970985" y="3780017"/>
+            <a:off x="4953000" y="3495783"/>
             <a:ext cx="1386484" cy="9417"/>
           </a:xfrm>
           <a:prstGeom prst="straightConnector1">
@@ -4269,7 +4269,7 @@
         </p:nvCxnSpPr>
         <p:spPr>
           <a:xfrm>
-            <a:off x="4961353" y="4114800"/>
+            <a:off x="4979659" y="4027787"/>
             <a:ext cx="1789421" cy="0"/>
           </a:xfrm>
           <a:prstGeom prst="straightConnector1">
@@ -4427,15 +4427,7 @@
                   <a:schemeClr val="bg1"/>
                 </a:solidFill>
               </a:rPr>
-              <a:t>:</a:t>
-            </a:r>
-            <a:r>
-              <a:rPr lang="en-US" sz="1600" dirty="0" err="1">
-                <a:solidFill>
-                  <a:schemeClr val="bg1"/>
-                </a:solidFill>
-              </a:rPr>
-              <a:t>MapPanel</a:t>
+              <a:t>:Map</a:t>
             </a:r>
             <a:endParaRPr lang="en-SG" sz="1600" dirty="0">
               <a:solidFill>
@@ -4644,7 +4636,9 @@
             <a:r>
               <a:rPr lang="en-US" dirty="0" err="1">
                 <a:solidFill>
-                  <a:srgbClr val="7030A0"/>
+                  <a:schemeClr val="accent1">
+                    <a:lumMod val="75000"/>
+                  </a:schemeClr>
                 </a:solidFill>
               </a:rPr>
               <a:t>setMarkerOnMap</a:t>
@@ -4652,10 +4646,32 @@
             <a:r>
               <a:rPr lang="en-US" dirty="0">
                 <a:solidFill>
-                  <a:srgbClr val="7030A0"/>
+                  <a:schemeClr val="accent1">
+                    <a:lumMod val="75000"/>
+                  </a:schemeClr>
                 </a:solidFill>
               </a:rPr>
-              <a:t>()</a:t>
+              <a:t>(</a:t>
+            </a:r>
+            <a:r>
+              <a:rPr lang="en-US" dirty="0" err="1">
+                <a:solidFill>
+                  <a:schemeClr val="accent1">
+                    <a:lumMod val="75000"/>
+                  </a:schemeClr>
+                </a:solidFill>
+              </a:rPr>
+              <a:t>LatLng</a:t>
+            </a:r>
+            <a:r>
+              <a:rPr lang="en-US" dirty="0">
+                <a:solidFill>
+                  <a:schemeClr val="accent1">
+                    <a:lumMod val="75000"/>
+                  </a:schemeClr>
+                </a:solidFill>
+              </a:rPr>
+              <a:t>)</a:t>
             </a:r>
           </a:p>
         </p:txBody>
@@ -4668,7 +4684,7 @@
         </p:nvSpPr>
         <p:spPr>
           <a:xfrm>
-            <a:off x="3308736" y="3671302"/>
+            <a:off x="3310337" y="3471430"/>
             <a:ext cx="1217513" cy="184666"/>
           </a:xfrm>
           <a:prstGeom prst="rect">
@@ -4989,7 +5005,7 @@
         </p:nvSpPr>
         <p:spPr>
           <a:xfrm>
-            <a:off x="4033496" y="2593261"/>
+            <a:off x="3919094" y="2449138"/>
             <a:ext cx="2245019" cy="769079"/>
           </a:xfrm>
           <a:prstGeom prst="rect">
@@ -5072,7 +5088,7 @@
         </p:nvCxnSpPr>
         <p:spPr>
           <a:xfrm>
-            <a:off x="3203244" y="3657600"/>
+            <a:off x="3188996" y="3461138"/>
             <a:ext cx="1597356" cy="1"/>
           </a:xfrm>
           <a:prstGeom prst="straightConnector1">
@@ -5106,7 +5122,7 @@
         </p:nvSpPr>
         <p:spPr>
           <a:xfrm>
-            <a:off x="4790254" y="3368386"/>
+            <a:off x="4762781" y="3223727"/>
             <a:ext cx="205843" cy="123165"/>
           </a:xfrm>
           <a:prstGeom prst="rect">
@@ -5156,7 +5172,7 @@
         </p:nvCxnSpPr>
         <p:spPr>
           <a:xfrm>
-            <a:off x="4893176" y="3368386"/>
+            <a:off x="4865703" y="3223727"/>
             <a:ext cx="0" cy="990600"/>
           </a:xfrm>
           <a:prstGeom prst="line">
@@ -5193,8 +5209,8 @@
         </p:nvSpPr>
         <p:spPr>
           <a:xfrm>
-            <a:off x="4758536" y="3673451"/>
-            <a:ext cx="205843" cy="533400"/>
+            <a:off x="4772052" y="3445411"/>
+            <a:ext cx="171804" cy="666530"/>
           </a:xfrm>
           <a:prstGeom prst="rect">
             <a:avLst/>
@@ -5240,7 +5256,7 @@
         </p:nvCxnSpPr>
         <p:spPr>
           <a:xfrm>
-            <a:off x="3187241" y="4199590"/>
+            <a:off x="3158108" y="4111941"/>
             <a:ext cx="1667219" cy="0"/>
           </a:xfrm>
           <a:prstGeom prst="straightConnector1">
@@ -5314,7 +5330,7 @@
         </p:nvCxnSpPr>
         <p:spPr>
           <a:xfrm>
-            <a:off x="3187241" y="3276600"/>
+            <a:off x="3080927" y="3218217"/>
             <a:ext cx="846255" cy="0"/>
           </a:xfrm>
           <a:prstGeom prst="straightConnector1">
@@ -5350,7 +5366,7 @@
         </p:nvCxnSpPr>
         <p:spPr>
           <a:xfrm>
-            <a:off x="3174096" y="3475965"/>
+            <a:off x="3158108" y="3346892"/>
             <a:ext cx="1600428" cy="0"/>
           </a:xfrm>
           <a:prstGeom prst="straightConnector1">
@@ -5485,7 +5501,7 @@
         </p:nvCxnSpPr>
         <p:spPr>
           <a:xfrm>
-            <a:off x="6872285" y="3845308"/>
+            <a:off x="6883078" y="3580743"/>
             <a:ext cx="3473594" cy="0"/>
           </a:xfrm>
           <a:prstGeom prst="straightConnector1">
@@ -5529,7 +5545,7 @@
         </p:nvCxnSpPr>
         <p:spPr>
           <a:xfrm>
-            <a:off x="6846147" y="4027787"/>
+            <a:off x="6846866" y="3754627"/>
             <a:ext cx="3499732" cy="0"/>
           </a:xfrm>
           <a:prstGeom prst="straightConnector1">
@@ -5573,7 +5589,7 @@
         </p:nvSpPr>
         <p:spPr>
           <a:xfrm>
-            <a:off x="10345879" y="3855968"/>
+            <a:off x="10346598" y="3582808"/>
             <a:ext cx="188994" cy="171819"/>
           </a:xfrm>
           <a:prstGeom prst="rect">
@@ -5614,56 +5630,6 @@
       </p:sp>
       <p:sp>
         <p:nvSpPr>
-          <p:cNvPr id="88" name="TextBox 87">
-            <a:extLst>
-              <a:ext uri="{FF2B5EF4-FFF2-40B4-BE49-F238E27FC236}">
-                <a16:creationId xmlns:a16="http://schemas.microsoft.com/office/drawing/2014/main" id="{5FB6A843-B44F-0D4F-B1EE-B5A29E2358F0}"/>
-              </a:ext>
-            </a:extLst>
-          </p:cNvPr>
-          <p:cNvSpPr txBox="1"/>
-          <p:nvPr/>
-        </p:nvSpPr>
-        <p:spPr>
-          <a:xfrm>
-            <a:off x="7706895" y="3590851"/>
-            <a:ext cx="855809" cy="215444"/>
-          </a:xfrm>
-          <a:prstGeom prst="rect">
-            <a:avLst/>
-          </a:prstGeom>
-          <a:noFill/>
-        </p:spPr>
-        <p:txBody>
-          <a:bodyPr wrap="square" lIns="0" tIns="0" rIns="0" bIns="0" rtlCol="0">
-            <a:spAutoFit/>
-          </a:bodyPr>
-          <a:lstStyle>
-            <a:defPPr>
-              <a:defRPr lang="en-US"/>
-            </a:defPPr>
-            <a:lvl1pPr algn="r">
-              <a:defRPr sz="1400">
-                <a:solidFill>
-                  <a:srgbClr val="0070C0"/>
-                </a:solidFill>
-              </a:defRPr>
-            </a:lvl1pPr>
-          </a:lstStyle>
-          <a:p>
-            <a:r>
-              <a:rPr lang="en-US" dirty="0" err="1"/>
-              <a:t>getMap</a:t>
-            </a:r>
-            <a:r>
-              <a:rPr lang="en-US" dirty="0"/>
-              <a:t>()</a:t>
-            </a:r>
-          </a:p>
-        </p:txBody>
-      </p:sp>
-      <p:sp>
-        <p:nvSpPr>
           <p:cNvPr id="54" name="TextBox 53">
             <a:extLst>
               <a:ext uri="{FF2B5EF4-FFF2-40B4-BE49-F238E27FC236}">
@@ -5773,7 +5739,7 @@
         </p:nvSpPr>
         <p:spPr>
           <a:xfrm>
-            <a:off x="3983389" y="3979925"/>
+            <a:off x="3896533" y="3895169"/>
             <a:ext cx="220343" cy="215444"/>
           </a:xfrm>
           <a:prstGeom prst="rect">
@@ -6410,7 +6376,7 @@
         </p:nvSpPr>
         <p:spPr>
           <a:xfrm>
-            <a:off x="6640245" y="4795169"/>
+            <a:off x="6459121" y="3351683"/>
             <a:ext cx="2854157" cy="215444"/>
           </a:xfrm>
           <a:prstGeom prst="rect">
@@ -6438,7 +6404,9 @@
             <a:r>
               <a:rPr lang="en-US" dirty="0" err="1">
                 <a:solidFill>
-                  <a:srgbClr val="7030A0"/>
+                  <a:schemeClr val="accent1">
+                    <a:lumMod val="75000"/>
+                  </a:schemeClr>
                 </a:solidFill>
               </a:rPr>
               <a:t>removeExistingMarker</a:t>
@@ -6446,7 +6414,276 @@
             <a:r>
               <a:rPr lang="en-US" dirty="0">
                 <a:solidFill>
-                  <a:srgbClr val="7030A0"/>
+                  <a:schemeClr val="accent1">
+                    <a:lumMod val="75000"/>
+                  </a:schemeClr>
+                </a:solidFill>
+              </a:rPr>
+              <a:t>()</a:t>
+            </a:r>
+          </a:p>
+        </p:txBody>
+      </p:sp>
+      <p:sp>
+        <p:nvSpPr>
+          <p:cNvPr id="69" name="TextBox 68">
+            <a:extLst>
+              <a:ext uri="{FF2B5EF4-FFF2-40B4-BE49-F238E27FC236}">
+                <a16:creationId xmlns:a16="http://schemas.microsoft.com/office/drawing/2014/main" id="{318E3406-97C4-9D4A-88B1-F043F2E7F936}"/>
+              </a:ext>
+            </a:extLst>
+          </p:cNvPr>
+          <p:cNvSpPr txBox="1"/>
+          <p:nvPr/>
+        </p:nvSpPr>
+        <p:spPr>
+          <a:xfrm>
+            <a:off x="5971520" y="4790212"/>
+            <a:ext cx="2854157" cy="215444"/>
+          </a:xfrm>
+          <a:prstGeom prst="rect">
+            <a:avLst/>
+          </a:prstGeom>
+          <a:noFill/>
+        </p:spPr>
+        <p:txBody>
+          <a:bodyPr wrap="square" lIns="0" tIns="0" rIns="0" bIns="0" rtlCol="0">
+            <a:spAutoFit/>
+          </a:bodyPr>
+          <a:lstStyle>
+            <a:defPPr>
+              <a:defRPr lang="en-US"/>
+            </a:defPPr>
+            <a:lvl1pPr algn="r">
+              <a:defRPr sz="1400">
+                <a:solidFill>
+                  <a:srgbClr val="0070C0"/>
+                </a:solidFill>
+              </a:defRPr>
+            </a:lvl1pPr>
+          </a:lstStyle>
+          <a:p>
+            <a:r>
+              <a:rPr lang="en-US" dirty="0" err="1">
+                <a:solidFill>
+                  <a:schemeClr val="accent1">
+                    <a:lumMod val="75000"/>
+                  </a:schemeClr>
+                </a:solidFill>
+              </a:rPr>
+              <a:t>setLocationr</a:t>
+            </a:r>
+            <a:r>
+              <a:rPr lang="en-US" dirty="0">
+                <a:solidFill>
+                  <a:schemeClr val="accent1">
+                    <a:lumMod val="75000"/>
+                  </a:schemeClr>
+                </a:solidFill>
+              </a:rPr>
+              <a:t>(Marker)</a:t>
+            </a:r>
+          </a:p>
+        </p:txBody>
+      </p:sp>
+      <p:sp>
+        <p:nvSpPr>
+          <p:cNvPr id="96" name="Rectangle 95">
+            <a:extLst>
+              <a:ext uri="{FF2B5EF4-FFF2-40B4-BE49-F238E27FC236}">
+                <a16:creationId xmlns:a16="http://schemas.microsoft.com/office/drawing/2014/main" id="{C1F83780-7CAA-EF40-A46A-662A9AFD764E}"/>
+              </a:ext>
+            </a:extLst>
+          </p:cNvPr>
+          <p:cNvSpPr/>
+          <p:nvPr/>
+        </p:nvSpPr>
+        <p:spPr>
+          <a:xfrm>
+            <a:off x="10340309" y="3838871"/>
+            <a:ext cx="205844" cy="132215"/>
+          </a:xfrm>
+          <a:prstGeom prst="rect">
+            <a:avLst/>
+          </a:prstGeom>
+          <a:solidFill>
+            <a:srgbClr val="0070C0"/>
+          </a:solidFill>
+          <a:ln>
+            <a:solidFill>
+              <a:srgbClr val="0070C0"/>
+            </a:solidFill>
+          </a:ln>
+          <a:effectLst/>
+        </p:spPr>
+        <p:style>
+          <a:lnRef idx="1">
+            <a:schemeClr val="accent3"/>
+          </a:lnRef>
+          <a:fillRef idx="2">
+            <a:schemeClr val="accent3"/>
+          </a:fillRef>
+          <a:effectRef idx="1">
+            <a:schemeClr val="accent3"/>
+          </a:effectRef>
+          <a:fontRef idx="minor">
+            <a:schemeClr val="dk1"/>
+          </a:fontRef>
+        </p:style>
+        <p:txBody>
+          <a:bodyPr rtlCol="0" anchor="ctr"/>
+          <a:lstStyle/>
+          <a:p>
+            <a:pPr algn="ctr"/>
+            <a:endParaRPr lang="en-SG" sz="1400"/>
+          </a:p>
+        </p:txBody>
+      </p:sp>
+      <p:cxnSp>
+        <p:nvCxnSpPr>
+          <p:cNvPr id="97" name="Straight Arrow Connector 96">
+            <a:extLst>
+              <a:ext uri="{FF2B5EF4-FFF2-40B4-BE49-F238E27FC236}">
+                <a16:creationId xmlns:a16="http://schemas.microsoft.com/office/drawing/2014/main" id="{0D595D65-6224-D340-9323-2E40AB8489E7}"/>
+              </a:ext>
+            </a:extLst>
+          </p:cNvPr>
+          <p:cNvCxnSpPr>
+            <a:cxnSpLocks/>
+          </p:cNvCxnSpPr>
+          <p:nvPr/>
+        </p:nvCxnSpPr>
+        <p:spPr>
+          <a:xfrm>
+            <a:off x="6877204" y="3838871"/>
+            <a:ext cx="3473594" cy="0"/>
+          </a:xfrm>
+          <a:prstGeom prst="straightConnector1">
+            <a:avLst/>
+          </a:prstGeom>
+          <a:ln w="19050">
+            <a:solidFill>
+              <a:srgbClr val="0070C0"/>
+            </a:solidFill>
+            <a:tailEnd type="arrow"/>
+          </a:ln>
+        </p:spPr>
+        <p:style>
+          <a:lnRef idx="1">
+            <a:schemeClr val="accent1"/>
+          </a:lnRef>
+          <a:fillRef idx="0">
+            <a:schemeClr val="accent1"/>
+          </a:fillRef>
+          <a:effectRef idx="0">
+            <a:schemeClr val="accent1"/>
+          </a:effectRef>
+          <a:fontRef idx="minor">
+            <a:schemeClr val="tx1"/>
+          </a:fontRef>
+        </p:style>
+      </p:cxnSp>
+      <p:cxnSp>
+        <p:nvCxnSpPr>
+          <p:cNvPr id="98" name="Straight Arrow Connector 97">
+            <a:extLst>
+              <a:ext uri="{FF2B5EF4-FFF2-40B4-BE49-F238E27FC236}">
+                <a16:creationId xmlns:a16="http://schemas.microsoft.com/office/drawing/2014/main" id="{1C2A64D2-07B2-6145-A4DF-FFE32DC4A43B}"/>
+              </a:ext>
+            </a:extLst>
+          </p:cNvPr>
+          <p:cNvCxnSpPr>
+            <a:cxnSpLocks/>
+          </p:cNvCxnSpPr>
+          <p:nvPr/>
+        </p:nvCxnSpPr>
+        <p:spPr>
+          <a:xfrm>
+            <a:off x="6870009" y="3965221"/>
+            <a:ext cx="3499732" cy="0"/>
+          </a:xfrm>
+          <a:prstGeom prst="straightConnector1">
+            <a:avLst/>
+          </a:prstGeom>
+          <a:ln w="19050">
+            <a:solidFill>
+              <a:srgbClr val="0070C0"/>
+            </a:solidFill>
+            <a:prstDash val="sysDash"/>
+            <a:headEnd type="arrow" w="med" len="med"/>
+            <a:tailEnd type="none" w="med" len="med"/>
+          </a:ln>
+        </p:spPr>
+        <p:style>
+          <a:lnRef idx="1">
+            <a:schemeClr val="accent1"/>
+          </a:lnRef>
+          <a:fillRef idx="0">
+            <a:schemeClr val="accent1"/>
+          </a:fillRef>
+          <a:effectRef idx="0">
+            <a:schemeClr val="accent1"/>
+          </a:effectRef>
+          <a:fontRef idx="minor">
+            <a:schemeClr val="tx1"/>
+          </a:fontRef>
+        </p:style>
+      </p:cxnSp>
+      <p:sp>
+        <p:nvSpPr>
+          <p:cNvPr id="99" name="TextBox 98">
+            <a:extLst>
+              <a:ext uri="{FF2B5EF4-FFF2-40B4-BE49-F238E27FC236}">
+                <a16:creationId xmlns:a16="http://schemas.microsoft.com/office/drawing/2014/main" id="{115D0DE5-E28F-4345-9360-41BD293EC0FB}"/>
+              </a:ext>
+            </a:extLst>
+          </p:cNvPr>
+          <p:cNvSpPr txBox="1"/>
+          <p:nvPr/>
+        </p:nvSpPr>
+        <p:spPr>
+          <a:xfrm>
+            <a:off x="6229727" y="3789852"/>
+            <a:ext cx="2854157" cy="215444"/>
+          </a:xfrm>
+          <a:prstGeom prst="rect">
+            <a:avLst/>
+          </a:prstGeom>
+          <a:noFill/>
+        </p:spPr>
+        <p:txBody>
+          <a:bodyPr wrap="square" lIns="0" tIns="0" rIns="0" bIns="0" rtlCol="0">
+            <a:spAutoFit/>
+          </a:bodyPr>
+          <a:lstStyle>
+            <a:defPPr>
+              <a:defRPr lang="en-US"/>
+            </a:defPPr>
+            <a:lvl1pPr algn="r">
+              <a:defRPr sz="1400">
+                <a:solidFill>
+                  <a:srgbClr val="0070C0"/>
+                </a:solidFill>
+              </a:defRPr>
+            </a:lvl1pPr>
+          </a:lstStyle>
+          <a:p>
+            <a:r>
+              <a:rPr lang="en-US" dirty="0" err="1">
+                <a:solidFill>
+                  <a:schemeClr val="accent1">
+                    <a:lumMod val="75000"/>
+                  </a:schemeClr>
+                </a:solidFill>
+              </a:rPr>
+              <a:t>clearRoute</a:t>
+            </a:r>
+            <a:r>
+              <a:rPr lang="en-US" dirty="0">
+                <a:solidFill>
+                  <a:schemeClr val="accent1">
+                    <a:lumMod val="75000"/>
+                  </a:schemeClr>
                 </a:solidFill>
               </a:rPr>
               <a:t>()</a:t>

--- a/docs/diagrams/ShowLocationSequenceDiagram.pptx
+++ b/docs/diagrams/ShowLocationSequenceDiagram.pptx
@@ -208,7 +208,7 @@
           <a:p>
             <a:fld id="{F5CC4B3F-88C1-4FFA-B1B6-F41C21DC6924}" type="datetimeFigureOut">
               <a:rPr lang="en-US" smtClean="0"/>
-              <a:t>3/30/18</a:t>
+              <a:t>4/9/18</a:t>
             </a:fld>
             <a:endParaRPr lang="en-US"/>
           </a:p>
@@ -738,7 +738,7 @@
           <a:p>
             <a:fld id="{78C97017-6FC3-485B-9764-EAC9E56C1D49}" type="datetimeFigureOut">
               <a:rPr lang="en-US" smtClean="0"/>
-              <a:t>3/30/18</a:t>
+              <a:t>4/9/18</a:t>
             </a:fld>
             <a:endParaRPr lang="en-US"/>
           </a:p>
@@ -906,7 +906,7 @@
           <a:p>
             <a:fld id="{78C97017-6FC3-485B-9764-EAC9E56C1D49}" type="datetimeFigureOut">
               <a:rPr lang="en-US" smtClean="0"/>
-              <a:t>3/30/18</a:t>
+              <a:t>4/9/18</a:t>
             </a:fld>
             <a:endParaRPr lang="en-US"/>
           </a:p>
@@ -1084,7 +1084,7 @@
           <a:p>
             <a:fld id="{78C97017-6FC3-485B-9764-EAC9E56C1D49}" type="datetimeFigureOut">
               <a:rPr lang="en-US" smtClean="0"/>
-              <a:t>3/30/18</a:t>
+              <a:t>4/9/18</a:t>
             </a:fld>
             <a:endParaRPr lang="en-US"/>
           </a:p>
@@ -1252,7 +1252,7 @@
           <a:p>
             <a:fld id="{78C97017-6FC3-485B-9764-EAC9E56C1D49}" type="datetimeFigureOut">
               <a:rPr lang="en-US" smtClean="0"/>
-              <a:t>3/30/18</a:t>
+              <a:t>4/9/18</a:t>
             </a:fld>
             <a:endParaRPr lang="en-US"/>
           </a:p>
@@ -1497,7 +1497,7 @@
           <a:p>
             <a:fld id="{78C97017-6FC3-485B-9764-EAC9E56C1D49}" type="datetimeFigureOut">
               <a:rPr lang="en-US" smtClean="0"/>
-              <a:t>3/30/18</a:t>
+              <a:t>4/9/18</a:t>
             </a:fld>
             <a:endParaRPr lang="en-US"/>
           </a:p>
@@ -1782,7 +1782,7 @@
           <a:p>
             <a:fld id="{78C97017-6FC3-485B-9764-EAC9E56C1D49}" type="datetimeFigureOut">
               <a:rPr lang="en-US" smtClean="0"/>
-              <a:t>3/30/18</a:t>
+              <a:t>4/9/18</a:t>
             </a:fld>
             <a:endParaRPr lang="en-US"/>
           </a:p>
@@ -2201,7 +2201,7 @@
           <a:p>
             <a:fld id="{78C97017-6FC3-485B-9764-EAC9E56C1D49}" type="datetimeFigureOut">
               <a:rPr lang="en-US" smtClean="0"/>
-              <a:t>3/30/18</a:t>
+              <a:t>4/9/18</a:t>
             </a:fld>
             <a:endParaRPr lang="en-US"/>
           </a:p>
@@ -2318,7 +2318,7 @@
           <a:p>
             <a:fld id="{78C97017-6FC3-485B-9764-EAC9E56C1D49}" type="datetimeFigureOut">
               <a:rPr lang="en-US" smtClean="0"/>
-              <a:t>3/30/18</a:t>
+              <a:t>4/9/18</a:t>
             </a:fld>
             <a:endParaRPr lang="en-US"/>
           </a:p>
@@ -2413,7 +2413,7 @@
           <a:p>
             <a:fld id="{78C97017-6FC3-485B-9764-EAC9E56C1D49}" type="datetimeFigureOut">
               <a:rPr lang="en-US" smtClean="0"/>
-              <a:t>3/30/18</a:t>
+              <a:t>4/9/18</a:t>
             </a:fld>
             <a:endParaRPr lang="en-US"/>
           </a:p>
@@ -2688,7 +2688,7 @@
           <a:p>
             <a:fld id="{78C97017-6FC3-485B-9764-EAC9E56C1D49}" type="datetimeFigureOut">
               <a:rPr lang="en-US" smtClean="0"/>
-              <a:t>3/30/18</a:t>
+              <a:t>4/9/18</a:t>
             </a:fld>
             <a:endParaRPr lang="en-US"/>
           </a:p>
@@ -2940,7 +2940,7 @@
           <a:p>
             <a:fld id="{78C97017-6FC3-485B-9764-EAC9E56C1D49}" type="datetimeFigureOut">
               <a:rPr lang="en-US" smtClean="0"/>
-              <a:t>3/30/18</a:t>
+              <a:t>4/9/18</a:t>
             </a:fld>
             <a:endParaRPr lang="en-US"/>
           </a:p>
@@ -3151,7 +3151,7 @@
           <a:p>
             <a:fld id="{78C97017-6FC3-485B-9764-EAC9E56C1D49}" type="datetimeFigureOut">
               <a:rPr lang="en-US" smtClean="0"/>
-              <a:t>3/30/18</a:t>
+              <a:t>4/9/18</a:t>
             </a:fld>
             <a:endParaRPr lang="en-US"/>
           </a:p>
@@ -3534,7 +3534,7 @@
         </p:nvSpPr>
         <p:spPr>
           <a:xfrm>
-            <a:off x="539783" y="1981200"/>
+            <a:off x="615173" y="1992842"/>
             <a:ext cx="9160587" cy="4575049"/>
           </a:xfrm>
           <a:prstGeom prst="roundRect">
@@ -3904,7 +3904,7 @@
         </p:nvSpPr>
         <p:spPr>
           <a:xfrm>
-            <a:off x="6337139" y="2759403"/>
+            <a:off x="6237121" y="2772437"/>
             <a:ext cx="1080131" cy="731515"/>
           </a:xfrm>
           <a:prstGeom prst="rect">
@@ -3980,9 +3980,9 @@
           <p:nvPr/>
         </p:nvCxnSpPr>
         <p:spPr>
-          <a:xfrm>
-            <a:off x="6769080" y="3404566"/>
-            <a:ext cx="1843" cy="2979503"/>
+          <a:xfrm flipH="1">
+            <a:off x="6770923" y="3488243"/>
+            <a:ext cx="7354" cy="2895826"/>
           </a:xfrm>
           <a:prstGeom prst="line">
             <a:avLst/>
@@ -4018,8 +4018,8 @@
         </p:nvSpPr>
         <p:spPr>
           <a:xfrm>
-            <a:off x="6680160" y="3404566"/>
-            <a:ext cx="177840" cy="611317"/>
+            <a:off x="6680159" y="3488243"/>
+            <a:ext cx="196235" cy="527640"/>
           </a:xfrm>
           <a:prstGeom prst="rect">
             <a:avLst/>
@@ -4191,8 +4191,8 @@
         </p:nvCxnSpPr>
         <p:spPr>
           <a:xfrm flipV="1">
-            <a:off x="4953000" y="3495783"/>
-            <a:ext cx="1386484" cy="9417"/>
+            <a:off x="4953000" y="3503952"/>
+            <a:ext cx="1297592" cy="1249"/>
           </a:xfrm>
           <a:prstGeom prst="straightConnector1">
             <a:avLst/>
@@ -4269,8 +4269,8 @@
         </p:nvCxnSpPr>
         <p:spPr>
           <a:xfrm>
-            <a:off x="4979659" y="4027787"/>
-            <a:ext cx="1789421" cy="0"/>
+            <a:off x="4937106" y="4013732"/>
+            <a:ext cx="1831974" cy="14055"/>
           </a:xfrm>
           <a:prstGeom prst="straightConnector1">
             <a:avLst/>
@@ -4532,7 +4532,7 @@
         </p:nvCxnSpPr>
         <p:spPr>
           <a:xfrm>
-            <a:off x="6832064" y="5071608"/>
+            <a:off x="6821802" y="5143585"/>
             <a:ext cx="3528996" cy="13844"/>
           </a:xfrm>
           <a:prstGeom prst="straightConnector1">
@@ -4608,7 +4608,7 @@
         </p:nvSpPr>
         <p:spPr>
           <a:xfrm>
-            <a:off x="6115196" y="5043760"/>
+            <a:off x="6128582" y="4943628"/>
             <a:ext cx="2854157" cy="215444"/>
           </a:xfrm>
           <a:prstGeom prst="rect">
@@ -4634,43 +4634,19 @@
           </a:lstStyle>
           <a:p>
             <a:r>
-              <a:rPr lang="en-US" dirty="0" err="1">
-                <a:solidFill>
-                  <a:schemeClr val="accent1">
-                    <a:lumMod val="75000"/>
-                  </a:schemeClr>
-                </a:solidFill>
-              </a:rPr>
+              <a:rPr lang="en-US" dirty="0" err="1"/>
               <a:t>setMarkerOnMap</a:t>
             </a:r>
             <a:r>
-              <a:rPr lang="en-US" dirty="0">
-                <a:solidFill>
-                  <a:schemeClr val="accent1">
-                    <a:lumMod val="75000"/>
-                  </a:schemeClr>
-                </a:solidFill>
-              </a:rPr>
+              <a:rPr lang="en-US" dirty="0"/>
               <a:t>(</a:t>
             </a:r>
             <a:r>
-              <a:rPr lang="en-US" dirty="0" err="1">
-                <a:solidFill>
-                  <a:schemeClr val="accent1">
-                    <a:lumMod val="75000"/>
-                  </a:schemeClr>
-                </a:solidFill>
-              </a:rPr>
+              <a:rPr lang="en-US" dirty="0" err="1"/>
               <a:t>LatLng</a:t>
             </a:r>
             <a:r>
-              <a:rPr lang="en-US" dirty="0">
-                <a:solidFill>
-                  <a:schemeClr val="accent1">
-                    <a:lumMod val="75000"/>
-                  </a:schemeClr>
-                </a:solidFill>
-              </a:rPr>
+              <a:rPr lang="en-US" dirty="0"/>
               <a:t>)</a:t>
             </a:r>
           </a:p>
@@ -4684,8 +4660,8 @@
         </p:nvSpPr>
         <p:spPr>
           <a:xfrm>
-            <a:off x="3310337" y="3471430"/>
-            <a:ext cx="1217513" cy="184666"/>
+            <a:off x="3153998" y="3485761"/>
+            <a:ext cx="1407928" cy="184666"/>
           </a:xfrm>
           <a:prstGeom prst="rect">
             <a:avLst/>
@@ -5294,7 +5270,7 @@
         </p:nvCxnSpPr>
         <p:spPr>
           <a:xfrm>
-            <a:off x="6858000" y="5334000"/>
+            <a:off x="6858000" y="5361138"/>
             <a:ext cx="162246" cy="0"/>
           </a:xfrm>
           <a:prstGeom prst="straightConnector1">
@@ -5501,7 +5477,7 @@
         </p:nvCxnSpPr>
         <p:spPr>
           <a:xfrm>
-            <a:off x="6883078" y="3580743"/>
+            <a:off x="6858000" y="3567127"/>
             <a:ext cx="3473594" cy="0"/>
           </a:xfrm>
           <a:prstGeom prst="straightConnector1">
@@ -5545,7 +5521,7 @@
         </p:nvCxnSpPr>
         <p:spPr>
           <a:xfrm>
-            <a:off x="6846866" y="3754627"/>
+            <a:off x="6877204" y="3705771"/>
             <a:ext cx="3499732" cy="0"/>
           </a:xfrm>
           <a:prstGeom prst="straightConnector1">
@@ -5589,8 +5565,8 @@
         </p:nvSpPr>
         <p:spPr>
           <a:xfrm>
-            <a:off x="10346598" y="3582808"/>
-            <a:ext cx="188994" cy="171819"/>
+            <a:off x="10331593" y="3566761"/>
+            <a:ext cx="214559" cy="117450"/>
           </a:xfrm>
           <a:prstGeom prst="rect">
             <a:avLst/>
@@ -5898,8 +5874,8 @@
         </p:nvCxnSpPr>
         <p:spPr>
           <a:xfrm flipV="1">
-            <a:off x="6846147" y="4531859"/>
-            <a:ext cx="2108859" cy="14287"/>
+            <a:off x="6860446" y="4542858"/>
+            <a:ext cx="2095313" cy="4064"/>
           </a:xfrm>
           <a:prstGeom prst="straightConnector1">
             <a:avLst/>
@@ -5941,7 +5917,7 @@
         <p:spPr>
           <a:xfrm>
             <a:off x="8955006" y="4536987"/>
-            <a:ext cx="188994" cy="171819"/>
+            <a:ext cx="226784" cy="97927"/>
           </a:xfrm>
           <a:prstGeom prst="rect">
             <a:avLst/>
@@ -5990,13 +5966,14 @@
           </p:cNvPr>
           <p:cNvCxnSpPr>
             <a:cxnSpLocks/>
+            <a:endCxn id="74" idx="2"/>
           </p:cNvCxnSpPr>
           <p:nvPr/>
         </p:nvCxnSpPr>
         <p:spPr>
-          <a:xfrm>
-            <a:off x="6842325" y="4685482"/>
-            <a:ext cx="2097919" cy="1"/>
+          <a:xfrm flipV="1">
+            <a:off x="6856965" y="4634914"/>
+            <a:ext cx="2211433" cy="11694"/>
           </a:xfrm>
           <a:prstGeom prst="straightConnector1">
             <a:avLst/>
@@ -6039,8 +6016,8 @@
         </p:nvSpPr>
         <p:spPr>
           <a:xfrm>
-            <a:off x="6705402" y="4272914"/>
-            <a:ext cx="2306566" cy="215444"/>
+            <a:off x="6390005" y="4229706"/>
+            <a:ext cx="2607876" cy="215444"/>
           </a:xfrm>
           <a:prstGeom prst="rect">
             <a:avLst/>
@@ -6134,8 +6111,8 @@
         </p:nvSpPr>
         <p:spPr>
           <a:xfrm>
-            <a:off x="10348531" y="5097356"/>
-            <a:ext cx="178920" cy="160444"/>
+            <a:off x="10360164" y="5151401"/>
+            <a:ext cx="185987" cy="106398"/>
           </a:xfrm>
           <a:prstGeom prst="rect">
             <a:avLst/>
@@ -6189,7 +6166,7 @@
         </p:nvCxnSpPr>
         <p:spPr>
           <a:xfrm>
-            <a:off x="6832064" y="5255606"/>
+            <a:off x="6856965" y="5254195"/>
             <a:ext cx="3609638" cy="2194"/>
           </a:xfrm>
           <a:prstGeom prst="straightConnector1">
@@ -6234,7 +6211,7 @@
         <p:spPr>
           <a:xfrm>
             <a:off x="10356672" y="4832039"/>
-            <a:ext cx="178920" cy="160444"/>
+            <a:ext cx="189480" cy="119343"/>
           </a:xfrm>
           <a:prstGeom prst="rect">
             <a:avLst/>
@@ -6288,7 +6265,7 @@
         </p:nvCxnSpPr>
         <p:spPr>
           <a:xfrm>
-            <a:off x="6829762" y="4993205"/>
+            <a:off x="6856965" y="4979053"/>
             <a:ext cx="3609638" cy="2194"/>
           </a:xfrm>
           <a:prstGeom prst="straightConnector1">
@@ -6402,23 +6379,11 @@
           </a:lstStyle>
           <a:p>
             <a:r>
-              <a:rPr lang="en-US" dirty="0" err="1">
-                <a:solidFill>
-                  <a:schemeClr val="accent1">
-                    <a:lumMod val="75000"/>
-                  </a:schemeClr>
-                </a:solidFill>
-              </a:rPr>
+              <a:rPr lang="en-US" dirty="0" err="1"/>
               <a:t>removeExistingMarker</a:t>
             </a:r>
             <a:r>
-              <a:rPr lang="en-US" dirty="0">
-                <a:solidFill>
-                  <a:schemeClr val="accent1">
-                    <a:lumMod val="75000"/>
-                  </a:schemeClr>
-                </a:solidFill>
-              </a:rPr>
+              <a:rPr lang="en-US" dirty="0"/>
               <a:t>()</a:t>
             </a:r>
           </a:p>
@@ -6438,7 +6403,7 @@
         </p:nvSpPr>
         <p:spPr>
           <a:xfrm>
-            <a:off x="5971520" y="4790212"/>
+            <a:off x="5970784" y="4615923"/>
             <a:ext cx="2854157" cy="215444"/>
           </a:xfrm>
           <a:prstGeom prst="rect">
@@ -6464,23 +6429,11 @@
           </a:lstStyle>
           <a:p>
             <a:r>
-              <a:rPr lang="en-US" dirty="0" err="1">
-                <a:solidFill>
-                  <a:schemeClr val="accent1">
-                    <a:lumMod val="75000"/>
-                  </a:schemeClr>
-                </a:solidFill>
-              </a:rPr>
-              <a:t>setLocationr</a:t>
-            </a:r>
-            <a:r>
-              <a:rPr lang="en-US" dirty="0">
-                <a:solidFill>
-                  <a:schemeClr val="accent1">
-                    <a:lumMod val="75000"/>
-                  </a:schemeClr>
-                </a:solidFill>
-              </a:rPr>
+              <a:rPr lang="en-US" dirty="0" err="1"/>
+              <a:t>setLocation</a:t>
+            </a:r>
+            <a:r>
+              <a:rPr lang="en-US" dirty="0"/>
               <a:t>(Marker)</a:t>
             </a:r>
           </a:p>
@@ -6643,7 +6596,7 @@
         </p:nvSpPr>
         <p:spPr>
           <a:xfrm>
-            <a:off x="6229727" y="3789852"/>
+            <a:off x="5772913" y="3644988"/>
             <a:ext cx="2854157" cy="215444"/>
           </a:xfrm>
           <a:prstGeom prst="rect">
@@ -6669,23 +6622,11 @@
           </a:lstStyle>
           <a:p>
             <a:r>
-              <a:rPr lang="en-US" dirty="0" err="1">
-                <a:solidFill>
-                  <a:schemeClr val="accent1">
-                    <a:lumMod val="75000"/>
-                  </a:schemeClr>
-                </a:solidFill>
-              </a:rPr>
+              <a:rPr lang="en-US" dirty="0" err="1"/>
               <a:t>clearRoute</a:t>
             </a:r>
             <a:r>
-              <a:rPr lang="en-US" dirty="0">
-                <a:solidFill>
-                  <a:schemeClr val="accent1">
-                    <a:lumMod val="75000"/>
-                  </a:schemeClr>
-                </a:solidFill>
-              </a:rPr>
+              <a:rPr lang="en-US" dirty="0"/>
               <a:t>()</a:t>
             </a:r>
           </a:p>

--- a/docs/diagrams/ShowLocationSequenceDiagram.pptx
+++ b/docs/diagrams/ShowLocationSequenceDiagram.pptx
@@ -208,7 +208,7 @@
           <a:p>
             <a:fld id="{F5CC4B3F-88C1-4FFA-B1B6-F41C21DC6924}" type="datetimeFigureOut">
               <a:rPr lang="en-US" smtClean="0"/>
-              <a:t>4/9/18</a:t>
+              <a:t>4/13/2018</a:t>
             </a:fld>
             <a:endParaRPr lang="en-US"/>
           </a:p>
@@ -738,7 +738,7 @@
           <a:p>
             <a:fld id="{78C97017-6FC3-485B-9764-EAC9E56C1D49}" type="datetimeFigureOut">
               <a:rPr lang="en-US" smtClean="0"/>
-              <a:t>4/9/18</a:t>
+              <a:t>4/13/2018</a:t>
             </a:fld>
             <a:endParaRPr lang="en-US"/>
           </a:p>
@@ -906,7 +906,7 @@
           <a:p>
             <a:fld id="{78C97017-6FC3-485B-9764-EAC9E56C1D49}" type="datetimeFigureOut">
               <a:rPr lang="en-US" smtClean="0"/>
-              <a:t>4/9/18</a:t>
+              <a:t>4/13/2018</a:t>
             </a:fld>
             <a:endParaRPr lang="en-US"/>
           </a:p>
@@ -1084,7 +1084,7 @@
           <a:p>
             <a:fld id="{78C97017-6FC3-485B-9764-EAC9E56C1D49}" type="datetimeFigureOut">
               <a:rPr lang="en-US" smtClean="0"/>
-              <a:t>4/9/18</a:t>
+              <a:t>4/13/2018</a:t>
             </a:fld>
             <a:endParaRPr lang="en-US"/>
           </a:p>
@@ -1252,7 +1252,7 @@
           <a:p>
             <a:fld id="{78C97017-6FC3-485B-9764-EAC9E56C1D49}" type="datetimeFigureOut">
               <a:rPr lang="en-US" smtClean="0"/>
-              <a:t>4/9/18</a:t>
+              <a:t>4/13/2018</a:t>
             </a:fld>
             <a:endParaRPr lang="en-US"/>
           </a:p>
@@ -1497,7 +1497,7 @@
           <a:p>
             <a:fld id="{78C97017-6FC3-485B-9764-EAC9E56C1D49}" type="datetimeFigureOut">
               <a:rPr lang="en-US" smtClean="0"/>
-              <a:t>4/9/18</a:t>
+              <a:t>4/13/2018</a:t>
             </a:fld>
             <a:endParaRPr lang="en-US"/>
           </a:p>
@@ -1782,7 +1782,7 @@
           <a:p>
             <a:fld id="{78C97017-6FC3-485B-9764-EAC9E56C1D49}" type="datetimeFigureOut">
               <a:rPr lang="en-US" smtClean="0"/>
-              <a:t>4/9/18</a:t>
+              <a:t>4/13/2018</a:t>
             </a:fld>
             <a:endParaRPr lang="en-US"/>
           </a:p>
@@ -2201,7 +2201,7 @@
           <a:p>
             <a:fld id="{78C97017-6FC3-485B-9764-EAC9E56C1D49}" type="datetimeFigureOut">
               <a:rPr lang="en-US" smtClean="0"/>
-              <a:t>4/9/18</a:t>
+              <a:t>4/13/2018</a:t>
             </a:fld>
             <a:endParaRPr lang="en-US"/>
           </a:p>
@@ -2318,7 +2318,7 @@
           <a:p>
             <a:fld id="{78C97017-6FC3-485B-9764-EAC9E56C1D49}" type="datetimeFigureOut">
               <a:rPr lang="en-US" smtClean="0"/>
-              <a:t>4/9/18</a:t>
+              <a:t>4/13/2018</a:t>
             </a:fld>
             <a:endParaRPr lang="en-US"/>
           </a:p>
@@ -2413,7 +2413,7 @@
           <a:p>
             <a:fld id="{78C97017-6FC3-485B-9764-EAC9E56C1D49}" type="datetimeFigureOut">
               <a:rPr lang="en-US" smtClean="0"/>
-              <a:t>4/9/18</a:t>
+              <a:t>4/13/2018</a:t>
             </a:fld>
             <a:endParaRPr lang="en-US"/>
           </a:p>
@@ -2688,7 +2688,7 @@
           <a:p>
             <a:fld id="{78C97017-6FC3-485B-9764-EAC9E56C1D49}" type="datetimeFigureOut">
               <a:rPr lang="en-US" smtClean="0"/>
-              <a:t>4/9/18</a:t>
+              <a:t>4/13/2018</a:t>
             </a:fld>
             <a:endParaRPr lang="en-US"/>
           </a:p>
@@ -2940,7 +2940,7 @@
           <a:p>
             <a:fld id="{78C97017-6FC3-485B-9764-EAC9E56C1D49}" type="datetimeFigureOut">
               <a:rPr lang="en-US" smtClean="0"/>
-              <a:t>4/9/18</a:t>
+              <a:t>4/13/2018</a:t>
             </a:fld>
             <a:endParaRPr lang="en-US"/>
           </a:p>
@@ -3151,7 +3151,7 @@
           <a:p>
             <a:fld id="{78C97017-6FC3-485B-9764-EAC9E56C1D49}" type="datetimeFigureOut">
               <a:rPr lang="en-US" smtClean="0"/>
-              <a:t>4/9/18</a:t>
+              <a:t>4/13/2018</a:t>
             </a:fld>
             <a:endParaRPr lang="en-US"/>
           </a:p>
@@ -4386,8 +4386,8 @@
         </p:nvSpPr>
         <p:spPr>
           <a:xfrm>
-            <a:off x="9776569" y="2173684"/>
-            <a:ext cx="1272431" cy="419577"/>
+            <a:off x="9918169" y="2194566"/>
+            <a:ext cx="1130831" cy="398695"/>
           </a:xfrm>
           <a:prstGeom prst="rect">
             <a:avLst/>
@@ -5380,7 +5380,7 @@
         </p:nvSpPr>
         <p:spPr>
           <a:xfrm>
-            <a:off x="4758536" y="4270249"/>
+            <a:off x="4742759" y="4120751"/>
             <a:ext cx="258404" cy="261610"/>
           </a:xfrm>
           <a:prstGeom prst="rect">
@@ -6453,8 +6453,8 @@
         </p:nvSpPr>
         <p:spPr>
           <a:xfrm>
-            <a:off x="10340309" y="3838871"/>
-            <a:ext cx="205844" cy="132215"/>
+            <a:off x="10340309" y="3875926"/>
+            <a:ext cx="205842" cy="95160"/>
           </a:xfrm>
           <a:prstGeom prst="rect">
             <a:avLst/>
@@ -6508,7 +6508,7 @@
         </p:nvCxnSpPr>
         <p:spPr>
           <a:xfrm>
-            <a:off x="6877204" y="3838871"/>
+            <a:off x="6877204" y="3886200"/>
             <a:ext cx="3473594" cy="0"/>
           </a:xfrm>
           <a:prstGeom prst="straightConnector1">
@@ -6596,7 +6596,7 @@
         </p:nvSpPr>
         <p:spPr>
           <a:xfrm>
-            <a:off x="5772913" y="3644988"/>
+            <a:off x="5700567" y="3677471"/>
             <a:ext cx="2854157" cy="215444"/>
           </a:xfrm>
           <a:prstGeom prst="rect">
@@ -6628,6 +6628,45 @@
             <a:r>
               <a:rPr lang="en-US" dirty="0"/>
               <a:t>()</a:t>
+            </a:r>
+          </a:p>
+        </p:txBody>
+      </p:sp>
+      <p:sp>
+        <p:nvSpPr>
+          <p:cNvPr id="87" name="TextBox 86">
+            <a:extLst>
+              <a:ext uri="{FF2B5EF4-FFF2-40B4-BE49-F238E27FC236}">
+                <a16:creationId xmlns:a16="http://schemas.microsoft.com/office/drawing/2014/main" id="{DDACE042-ECCA-4040-9060-B7BA25A8599F}"/>
+              </a:ext>
+            </a:extLst>
+          </p:cNvPr>
+          <p:cNvSpPr txBox="1"/>
+          <p:nvPr/>
+        </p:nvSpPr>
+        <p:spPr>
+          <a:xfrm>
+            <a:off x="6639878" y="6261575"/>
+            <a:ext cx="258404" cy="261610"/>
+          </a:xfrm>
+          <a:prstGeom prst="rect">
+            <a:avLst/>
+          </a:prstGeom>
+          <a:noFill/>
+        </p:spPr>
+        <p:txBody>
+          <a:bodyPr wrap="none" rtlCol="0">
+            <a:spAutoFit/>
+          </a:bodyPr>
+          <a:lstStyle/>
+          <a:p>
+            <a:r>
+              <a:rPr lang="en-SG" sz="1100" dirty="0">
+                <a:solidFill>
+                  <a:srgbClr val="002060"/>
+                </a:solidFill>
+              </a:rPr>
+              <a:t>X</a:t>
             </a:r>
           </a:p>
         </p:txBody>
